--- a/Lab/海報.pptx
+++ b/Lab/海報.pptx
@@ -243,7 +243,7 @@
           <a:p>
             <a:fld id="{AACF1CD8-7D76-4BA6-9FA7-2FA0E557EBD4}" type="datetimeFigureOut">
               <a:rPr lang="zh-TW" altLang="en-US" smtClean="0"/>
-              <a:t>2020/12/22</a:t>
+              <a:t>2020/12/25</a:t>
             </a:fld>
             <a:endParaRPr lang="zh-TW" altLang="en-US"/>
           </a:p>
@@ -413,7 +413,7 @@
           <a:p>
             <a:fld id="{AACF1CD8-7D76-4BA6-9FA7-2FA0E557EBD4}" type="datetimeFigureOut">
               <a:rPr lang="zh-TW" altLang="en-US" smtClean="0"/>
-              <a:t>2020/12/22</a:t>
+              <a:t>2020/12/25</a:t>
             </a:fld>
             <a:endParaRPr lang="zh-TW" altLang="en-US"/>
           </a:p>
@@ -593,7 +593,7 @@
           <a:p>
             <a:fld id="{AACF1CD8-7D76-4BA6-9FA7-2FA0E557EBD4}" type="datetimeFigureOut">
               <a:rPr lang="zh-TW" altLang="en-US" smtClean="0"/>
-              <a:t>2020/12/22</a:t>
+              <a:t>2020/12/25</a:t>
             </a:fld>
             <a:endParaRPr lang="zh-TW" altLang="en-US"/>
           </a:p>
@@ -763,7 +763,7 @@
           <a:p>
             <a:fld id="{AACF1CD8-7D76-4BA6-9FA7-2FA0E557EBD4}" type="datetimeFigureOut">
               <a:rPr lang="zh-TW" altLang="en-US" smtClean="0"/>
-              <a:t>2020/12/22</a:t>
+              <a:t>2020/12/25</a:t>
             </a:fld>
             <a:endParaRPr lang="zh-TW" altLang="en-US"/>
           </a:p>
@@ -1007,7 +1007,7 @@
           <a:p>
             <a:fld id="{AACF1CD8-7D76-4BA6-9FA7-2FA0E557EBD4}" type="datetimeFigureOut">
               <a:rPr lang="zh-TW" altLang="en-US" smtClean="0"/>
-              <a:t>2020/12/22</a:t>
+              <a:t>2020/12/25</a:t>
             </a:fld>
             <a:endParaRPr lang="zh-TW" altLang="en-US"/>
           </a:p>
@@ -1239,7 +1239,7 @@
           <a:p>
             <a:fld id="{AACF1CD8-7D76-4BA6-9FA7-2FA0E557EBD4}" type="datetimeFigureOut">
               <a:rPr lang="zh-TW" altLang="en-US" smtClean="0"/>
-              <a:t>2020/12/22</a:t>
+              <a:t>2020/12/25</a:t>
             </a:fld>
             <a:endParaRPr lang="zh-TW" altLang="en-US"/>
           </a:p>
@@ -1606,7 +1606,7 @@
           <a:p>
             <a:fld id="{AACF1CD8-7D76-4BA6-9FA7-2FA0E557EBD4}" type="datetimeFigureOut">
               <a:rPr lang="zh-TW" altLang="en-US" smtClean="0"/>
-              <a:t>2020/12/22</a:t>
+              <a:t>2020/12/25</a:t>
             </a:fld>
             <a:endParaRPr lang="zh-TW" altLang="en-US"/>
           </a:p>
@@ -1724,7 +1724,7 @@
           <a:p>
             <a:fld id="{AACF1CD8-7D76-4BA6-9FA7-2FA0E557EBD4}" type="datetimeFigureOut">
               <a:rPr lang="zh-TW" altLang="en-US" smtClean="0"/>
-              <a:t>2020/12/22</a:t>
+              <a:t>2020/12/25</a:t>
             </a:fld>
             <a:endParaRPr lang="zh-TW" altLang="en-US"/>
           </a:p>
@@ -1819,7 +1819,7 @@
           <a:p>
             <a:fld id="{AACF1CD8-7D76-4BA6-9FA7-2FA0E557EBD4}" type="datetimeFigureOut">
               <a:rPr lang="zh-TW" altLang="en-US" smtClean="0"/>
-              <a:t>2020/12/22</a:t>
+              <a:t>2020/12/25</a:t>
             </a:fld>
             <a:endParaRPr lang="zh-TW" altLang="en-US"/>
           </a:p>
@@ -2096,7 +2096,7 @@
           <a:p>
             <a:fld id="{AACF1CD8-7D76-4BA6-9FA7-2FA0E557EBD4}" type="datetimeFigureOut">
               <a:rPr lang="zh-TW" altLang="en-US" smtClean="0"/>
-              <a:t>2020/12/22</a:t>
+              <a:t>2020/12/25</a:t>
             </a:fld>
             <a:endParaRPr lang="zh-TW" altLang="en-US"/>
           </a:p>
@@ -2353,7 +2353,7 @@
           <a:p>
             <a:fld id="{AACF1CD8-7D76-4BA6-9FA7-2FA0E557EBD4}" type="datetimeFigureOut">
               <a:rPr lang="zh-TW" altLang="en-US" smtClean="0"/>
-              <a:t>2020/12/22</a:t>
+              <a:t>2020/12/25</a:t>
             </a:fld>
             <a:endParaRPr lang="zh-TW" altLang="en-US"/>
           </a:p>
@@ -2566,7 +2566,7 @@
           <a:p>
             <a:fld id="{AACF1CD8-7D76-4BA6-9FA7-2FA0E557EBD4}" type="datetimeFigureOut">
               <a:rPr lang="zh-TW" altLang="en-US" smtClean="0"/>
-              <a:t>2020/12/22</a:t>
+              <a:t>2020/12/25</a:t>
             </a:fld>
             <a:endParaRPr lang="zh-TW" altLang="en-US"/>
           </a:p>
@@ -3861,7 +3861,7 @@
         </p:nvSpPr>
         <p:spPr>
           <a:xfrm>
-            <a:off x="4165600" y="4556183"/>
+            <a:off x="4577690" y="4530809"/>
             <a:ext cx="2332690" cy="784830"/>
           </a:xfrm>
           <a:prstGeom prst="rect">
@@ -3981,12 +3981,1512 @@
           </a:p>
         </p:txBody>
       </p:sp>
+      <p:sp>
+        <p:nvSpPr>
+          <p:cNvPr id="7" name="文字方塊 6">
+            <a:extLst>
+              <a:ext uri="{FF2B5EF4-FFF2-40B4-BE49-F238E27FC236}">
+                <a16:creationId xmlns:a16="http://schemas.microsoft.com/office/drawing/2014/main" id="{F364376C-FF1E-4A69-9463-3C5101CD0DA5}"/>
+              </a:ext>
+            </a:extLst>
+          </p:cNvPr>
+          <p:cNvSpPr txBox="1"/>
+          <p:nvPr/>
+        </p:nvSpPr>
+        <p:spPr>
+          <a:xfrm>
+            <a:off x="4801586" y="17495453"/>
+            <a:ext cx="1755609" cy="784830"/>
+          </a:xfrm>
+          <a:prstGeom prst="rect">
+            <a:avLst/>
+          </a:prstGeom>
+          <a:noFill/>
+        </p:spPr>
+        <p:txBody>
+          <a:bodyPr wrap="none" rtlCol="0">
+            <a:spAutoFit/>
+          </a:bodyPr>
+          <a:lstStyle/>
+          <a:p>
+            <a:r>
+              <a:rPr lang="en-US" altLang="zh-TW" sz="4500" b="1" dirty="0">
+                <a:latin typeface="Times New Roman" panose="02020603050405020304" pitchFamily="18" charset="0"/>
+                <a:ea typeface="標楷體" panose="03000509000000000000" pitchFamily="65" charset="-120"/>
+                <a:cs typeface="Times New Roman" panose="02020603050405020304" pitchFamily="18" charset="0"/>
+              </a:rPr>
+              <a:t>Result</a:t>
+            </a:r>
+            <a:endParaRPr lang="zh-TW" altLang="en-US" sz="4500" b="1" dirty="0">
+              <a:latin typeface="Times New Roman" panose="02020603050405020304" pitchFamily="18" charset="0"/>
+              <a:ea typeface="標楷體" panose="03000509000000000000" pitchFamily="65" charset="-120"/>
+              <a:cs typeface="Times New Roman" panose="02020603050405020304" pitchFamily="18" charset="0"/>
+            </a:endParaRPr>
+          </a:p>
+        </p:txBody>
+      </p:sp>
+      <p:sp>
+        <p:nvSpPr>
+          <p:cNvPr id="16" name="文字方塊 15">
+            <a:extLst>
+              <a:ext uri="{FF2B5EF4-FFF2-40B4-BE49-F238E27FC236}">
+                <a16:creationId xmlns:a16="http://schemas.microsoft.com/office/drawing/2014/main" id="{2D400D44-FAE0-4F81-839D-58D0AE43DE16}"/>
+              </a:ext>
+            </a:extLst>
+          </p:cNvPr>
+          <p:cNvSpPr txBox="1"/>
+          <p:nvPr/>
+        </p:nvSpPr>
+        <p:spPr>
+          <a:xfrm>
+            <a:off x="39228" y="18431355"/>
+            <a:ext cx="11577080" cy="646331"/>
+          </a:xfrm>
+          <a:prstGeom prst="rect">
+            <a:avLst/>
+          </a:prstGeom>
+          <a:noFill/>
+        </p:spPr>
+        <p:txBody>
+          <a:bodyPr wrap="none" rtlCol="0">
+            <a:spAutoFit/>
+          </a:bodyPr>
+          <a:lstStyle/>
+          <a:p>
+            <a:pPr marL="457200" indent="-457200">
+              <a:buFont typeface="Wingdings" panose="05000000000000000000" pitchFamily="2" charset="2"/>
+              <a:buChar char="Ø"/>
+            </a:pPr>
+            <a:r>
+              <a:rPr lang="en-US" altLang="zh-TW" sz="3600" dirty="0">
+                <a:latin typeface="Times New Roman" panose="02020603050405020304" pitchFamily="18" charset="0"/>
+                <a:ea typeface="標楷體" panose="03000509000000000000" pitchFamily="65" charset="-120"/>
+                <a:cs typeface="Times New Roman" panose="02020603050405020304" pitchFamily="18" charset="0"/>
+              </a:rPr>
+              <a:t>Fine-tuning Transformer-based Models with IMDb Dataset</a:t>
+            </a:r>
+            <a:endParaRPr lang="zh-TW" altLang="en-US" sz="3600" dirty="0">
+              <a:latin typeface="Times New Roman" panose="02020603050405020304" pitchFamily="18" charset="0"/>
+              <a:ea typeface="標楷體" panose="03000509000000000000" pitchFamily="65" charset="-120"/>
+              <a:cs typeface="Times New Roman" panose="02020603050405020304" pitchFamily="18" charset="0"/>
+            </a:endParaRPr>
+          </a:p>
+        </p:txBody>
+      </p:sp>
+      <p:sp>
+        <p:nvSpPr>
+          <p:cNvPr id="17" name="文字方塊 16">
+            <a:extLst>
+              <a:ext uri="{FF2B5EF4-FFF2-40B4-BE49-F238E27FC236}">
+                <a16:creationId xmlns:a16="http://schemas.microsoft.com/office/drawing/2014/main" id="{8EC96BC0-22C0-4AC9-B183-F24EDAA616BC}"/>
+              </a:ext>
+            </a:extLst>
+          </p:cNvPr>
+          <p:cNvSpPr txBox="1"/>
+          <p:nvPr/>
+        </p:nvSpPr>
+        <p:spPr>
+          <a:xfrm>
+            <a:off x="0" y="23081691"/>
+            <a:ext cx="10491975" cy="1200329"/>
+          </a:xfrm>
+          <a:prstGeom prst="rect">
+            <a:avLst/>
+          </a:prstGeom>
+          <a:noFill/>
+        </p:spPr>
+        <p:txBody>
+          <a:bodyPr wrap="square" rtlCol="0">
+            <a:spAutoFit/>
+          </a:bodyPr>
+          <a:lstStyle/>
+          <a:p>
+            <a:pPr marL="457200" indent="-457200">
+              <a:buFont typeface="Wingdings" panose="05000000000000000000" pitchFamily="2" charset="2"/>
+              <a:buChar char="Ø"/>
+            </a:pPr>
+            <a:r>
+              <a:rPr lang="en-US" altLang="zh-TW" sz="3600" dirty="0">
+                <a:latin typeface="Times New Roman" panose="02020603050405020304" pitchFamily="18" charset="0"/>
+                <a:ea typeface="標楷體" panose="03000509000000000000" pitchFamily="65" charset="-120"/>
+                <a:cs typeface="Times New Roman" panose="02020603050405020304" pitchFamily="18" charset="0"/>
+              </a:rPr>
+              <a:t>Fine-tuning Transformer-based Models with </a:t>
+            </a:r>
+          </a:p>
+          <a:p>
+            <a:r>
+              <a:rPr lang="zh-TW" altLang="en-US" sz="3600" dirty="0">
+                <a:latin typeface="Times New Roman" panose="02020603050405020304" pitchFamily="18" charset="0"/>
+                <a:ea typeface="標楷體" panose="03000509000000000000" pitchFamily="65" charset="-120"/>
+                <a:cs typeface="Times New Roman" panose="02020603050405020304" pitchFamily="18" charset="0"/>
+              </a:rPr>
+              <a:t>    </a:t>
+            </a:r>
+            <a:r>
+              <a:rPr lang="en-US" altLang="zh-TW" sz="3600" dirty="0">
+                <a:latin typeface="Times New Roman" panose="02020603050405020304" pitchFamily="18" charset="0"/>
+                <a:ea typeface="標楷體" panose="03000509000000000000" pitchFamily="65" charset="-120"/>
+                <a:cs typeface="Times New Roman" panose="02020603050405020304" pitchFamily="18" charset="0"/>
+              </a:rPr>
+              <a:t>Rotten Tomatoes Dataset</a:t>
+            </a:r>
+            <a:r>
+              <a:rPr lang="zh-TW" altLang="zh-TW" sz="3600" dirty="0">
+                <a:effectLst/>
+                <a:latin typeface="Times New Roman" panose="02020603050405020304" pitchFamily="18" charset="0"/>
+                <a:ea typeface="標楷體" panose="03000509000000000000" pitchFamily="65" charset="-120"/>
+                <a:cs typeface="Times New Roman" panose="02020603050405020304" pitchFamily="18" charset="0"/>
+              </a:rPr>
+              <a:t> </a:t>
+            </a:r>
+            <a:endParaRPr lang="zh-TW" altLang="en-US" sz="3600" dirty="0">
+              <a:latin typeface="Times New Roman" panose="02020603050405020304" pitchFamily="18" charset="0"/>
+              <a:ea typeface="標楷體" panose="03000509000000000000" pitchFamily="65" charset="-120"/>
+              <a:cs typeface="Times New Roman" panose="02020603050405020304" pitchFamily="18" charset="0"/>
+            </a:endParaRPr>
+          </a:p>
+        </p:txBody>
+      </p:sp>
+      <p:sp>
+        <p:nvSpPr>
+          <p:cNvPr id="19" name="文字方塊 18">
+            <a:extLst>
+              <a:ext uri="{FF2B5EF4-FFF2-40B4-BE49-F238E27FC236}">
+                <a16:creationId xmlns:a16="http://schemas.microsoft.com/office/drawing/2014/main" id="{04F1300C-3DB6-4815-8458-F49C54342FF9}"/>
+              </a:ext>
+            </a:extLst>
+          </p:cNvPr>
+          <p:cNvSpPr txBox="1"/>
+          <p:nvPr/>
+        </p:nvSpPr>
+        <p:spPr>
+          <a:xfrm>
+            <a:off x="11204972" y="4746906"/>
+            <a:ext cx="11505476" cy="1200329"/>
+          </a:xfrm>
+          <a:prstGeom prst="rect">
+            <a:avLst/>
+          </a:prstGeom>
+          <a:noFill/>
+        </p:spPr>
+        <p:txBody>
+          <a:bodyPr wrap="square" rtlCol="0">
+            <a:spAutoFit/>
+          </a:bodyPr>
+          <a:lstStyle/>
+          <a:p>
+            <a:pPr marL="457200" indent="-457200">
+              <a:buFont typeface="Arial" panose="020B0604020202020204" pitchFamily="34" charset="0"/>
+              <a:buChar char="•"/>
+            </a:pPr>
+            <a:r>
+              <a:rPr lang="zh-TW" altLang="zh-TW" sz="3400" dirty="0">
+                <a:effectLst/>
+                <a:latin typeface="Times New Roman" panose="02020603050405020304" pitchFamily="18" charset="0"/>
+                <a:ea typeface="標楷體" panose="03000509000000000000" pitchFamily="65" charset="-120"/>
+                <a:cs typeface="Times New Roman" panose="02020603050405020304" pitchFamily="18" charset="0"/>
+              </a:rPr>
+              <a:t> </a:t>
+            </a:r>
+            <a:r>
+              <a:rPr lang="en-US" altLang="zh-TW" sz="3600" dirty="0" err="1">
+                <a:effectLst/>
+                <a:latin typeface="Times New Roman" panose="02020603050405020304" pitchFamily="18" charset="0"/>
+                <a:ea typeface="標楷體" panose="03000509000000000000" pitchFamily="65" charset="-120"/>
+                <a:cs typeface="Times New Roman" panose="02020603050405020304" pitchFamily="18" charset="0"/>
+              </a:rPr>
+              <a:t>EDM-RoBERTa</a:t>
+            </a:r>
+            <a:r>
+              <a:rPr lang="en-US" altLang="zh-TW" sz="3600" dirty="0">
+                <a:latin typeface="Times New Roman" panose="02020603050405020304" pitchFamily="18" charset="0"/>
+                <a:ea typeface="標楷體" panose="03000509000000000000" pitchFamily="65" charset="-120"/>
+                <a:cs typeface="Times New Roman" panose="02020603050405020304" pitchFamily="18" charset="0"/>
+              </a:rPr>
+              <a:t> </a:t>
+            </a:r>
+          </a:p>
+          <a:p>
+            <a:r>
+              <a:rPr lang="en-US" altLang="zh-TW" sz="3600" dirty="0">
+                <a:latin typeface="Times New Roman" panose="02020603050405020304" pitchFamily="18" charset="0"/>
+                <a:ea typeface="標楷體" panose="03000509000000000000" pitchFamily="65" charset="-120"/>
+                <a:cs typeface="Times New Roman" panose="02020603050405020304" pitchFamily="18" charset="0"/>
+              </a:rPr>
+              <a:t>  (Enhance the Dependency Mechanism of </a:t>
+            </a:r>
+            <a:r>
+              <a:rPr lang="en-US" altLang="zh-TW" sz="3600" dirty="0" err="1">
+                <a:effectLst/>
+                <a:latin typeface="Times New Roman" panose="02020603050405020304" pitchFamily="18" charset="0"/>
+                <a:ea typeface="標楷體" panose="03000509000000000000" pitchFamily="65" charset="-120"/>
+                <a:cs typeface="Times New Roman" panose="02020603050405020304" pitchFamily="18" charset="0"/>
+              </a:rPr>
+              <a:t>RoBERTa</a:t>
+            </a:r>
+            <a:r>
+              <a:rPr lang="en-US" altLang="zh-TW" sz="3600" dirty="0">
+                <a:effectLst/>
+                <a:latin typeface="Times New Roman" panose="02020603050405020304" pitchFamily="18" charset="0"/>
+                <a:ea typeface="標楷體" panose="03000509000000000000" pitchFamily="65" charset="-120"/>
+                <a:cs typeface="Times New Roman" panose="02020603050405020304" pitchFamily="18" charset="0"/>
+              </a:rPr>
+              <a:t>)</a:t>
+            </a:r>
+            <a:endParaRPr lang="zh-TW" altLang="en-US" sz="3600" dirty="0">
+              <a:latin typeface="Times New Roman" panose="02020603050405020304" pitchFamily="18" charset="0"/>
+              <a:ea typeface="標楷體" panose="03000509000000000000" pitchFamily="65" charset="-120"/>
+              <a:cs typeface="Times New Roman" panose="02020603050405020304" pitchFamily="18" charset="0"/>
+            </a:endParaRPr>
+          </a:p>
+        </p:txBody>
+      </p:sp>
+      <p:sp>
+        <p:nvSpPr>
+          <p:cNvPr id="21" name="文字方塊 20">
+            <a:extLst>
+              <a:ext uri="{FF2B5EF4-FFF2-40B4-BE49-F238E27FC236}">
+                <a16:creationId xmlns:a16="http://schemas.microsoft.com/office/drawing/2014/main" id="{372E03BF-69C7-4102-9EA3-71AF2022DA14}"/>
+              </a:ext>
+            </a:extLst>
+          </p:cNvPr>
+          <p:cNvSpPr txBox="1"/>
+          <p:nvPr/>
+        </p:nvSpPr>
+        <p:spPr>
+          <a:xfrm>
+            <a:off x="12852970" y="9036824"/>
+            <a:ext cx="6575967" cy="784830"/>
+          </a:xfrm>
+          <a:prstGeom prst="rect">
+            <a:avLst/>
+          </a:prstGeom>
+          <a:noFill/>
+        </p:spPr>
+        <p:txBody>
+          <a:bodyPr wrap="none" rtlCol="0">
+            <a:spAutoFit/>
+          </a:bodyPr>
+          <a:lstStyle/>
+          <a:p>
+            <a:r>
+              <a:rPr lang="en-US" altLang="zh-TW" sz="4500" b="1" dirty="0">
+                <a:latin typeface="Times New Roman" panose="02020603050405020304" pitchFamily="18" charset="0"/>
+                <a:ea typeface="標楷體" panose="03000509000000000000" pitchFamily="65" charset="-120"/>
+                <a:cs typeface="Times New Roman" panose="02020603050405020304" pitchFamily="18" charset="0"/>
+              </a:rPr>
+              <a:t>Flowchart</a:t>
+            </a:r>
+            <a:r>
+              <a:rPr lang="zh-TW" altLang="en-US" sz="4500" b="1" dirty="0">
+                <a:latin typeface="Times New Roman" panose="02020603050405020304" pitchFamily="18" charset="0"/>
+                <a:ea typeface="標楷體" panose="03000509000000000000" pitchFamily="65" charset="-120"/>
+                <a:cs typeface="Times New Roman" panose="02020603050405020304" pitchFamily="18" charset="0"/>
+              </a:rPr>
+              <a:t> </a:t>
+            </a:r>
+            <a:r>
+              <a:rPr lang="en-US" altLang="zh-TW" sz="4500" b="1" dirty="0">
+                <a:latin typeface="Times New Roman" panose="02020603050405020304" pitchFamily="18" charset="0"/>
+                <a:ea typeface="標楷體" panose="03000509000000000000" pitchFamily="65" charset="-120"/>
+                <a:cs typeface="Times New Roman" panose="02020603050405020304" pitchFamily="18" charset="0"/>
+              </a:rPr>
+              <a:t>&amp;</a:t>
+            </a:r>
+            <a:r>
+              <a:rPr lang="zh-TW" altLang="en-US" sz="4500" b="1" dirty="0">
+                <a:latin typeface="Times New Roman" panose="02020603050405020304" pitchFamily="18" charset="0"/>
+                <a:ea typeface="標楷體" panose="03000509000000000000" pitchFamily="65" charset="-120"/>
+                <a:cs typeface="Times New Roman" panose="02020603050405020304" pitchFamily="18" charset="0"/>
+              </a:rPr>
+              <a:t> </a:t>
+            </a:r>
+            <a:r>
+              <a:rPr lang="en-US" altLang="zh-TW" sz="4500" b="1" dirty="0">
+                <a:latin typeface="Times New Roman" panose="02020603050405020304" pitchFamily="18" charset="0"/>
+                <a:ea typeface="標楷體" panose="03000509000000000000" pitchFamily="65" charset="-120"/>
+                <a:cs typeface="Times New Roman" panose="02020603050405020304" pitchFamily="18" charset="0"/>
+              </a:rPr>
+              <a:t>Architecture</a:t>
+            </a:r>
+            <a:endParaRPr lang="zh-TW" altLang="en-US" sz="4500" b="1" dirty="0">
+              <a:latin typeface="Times New Roman" panose="02020603050405020304" pitchFamily="18" charset="0"/>
+              <a:ea typeface="標楷體" panose="03000509000000000000" pitchFamily="65" charset="-120"/>
+              <a:cs typeface="Times New Roman" panose="02020603050405020304" pitchFamily="18" charset="0"/>
+            </a:endParaRPr>
+          </a:p>
+        </p:txBody>
+      </p:sp>
+      <p:sp>
+        <p:nvSpPr>
+          <p:cNvPr id="43" name="文字方塊 42">
+            <a:extLst>
+              <a:ext uri="{FF2B5EF4-FFF2-40B4-BE49-F238E27FC236}">
+                <a16:creationId xmlns:a16="http://schemas.microsoft.com/office/drawing/2014/main" id="{326CC09E-4B78-4839-BBEC-4DFEA202F268}"/>
+              </a:ext>
+            </a:extLst>
+          </p:cNvPr>
+          <p:cNvSpPr txBox="1"/>
+          <p:nvPr/>
+        </p:nvSpPr>
+        <p:spPr>
+          <a:xfrm>
+            <a:off x="14613107" y="19992844"/>
+            <a:ext cx="3166251" cy="784830"/>
+          </a:xfrm>
+          <a:prstGeom prst="rect">
+            <a:avLst/>
+          </a:prstGeom>
+          <a:noFill/>
+        </p:spPr>
+        <p:txBody>
+          <a:bodyPr wrap="none" rtlCol="0">
+            <a:spAutoFit/>
+          </a:bodyPr>
+          <a:lstStyle/>
+          <a:p>
+            <a:r>
+              <a:rPr lang="en-US" altLang="zh-TW" sz="4500" b="1" dirty="0">
+                <a:latin typeface="Times New Roman" panose="02020603050405020304" pitchFamily="18" charset="0"/>
+                <a:ea typeface="標楷體" panose="03000509000000000000" pitchFamily="65" charset="-120"/>
+                <a:cs typeface="Times New Roman" panose="02020603050405020304" pitchFamily="18" charset="0"/>
+              </a:rPr>
+              <a:t>Conclusions</a:t>
+            </a:r>
+            <a:endParaRPr lang="zh-TW" altLang="en-US" sz="4500" b="1" dirty="0">
+              <a:latin typeface="Times New Roman" panose="02020603050405020304" pitchFamily="18" charset="0"/>
+              <a:ea typeface="標楷體" panose="03000509000000000000" pitchFamily="65" charset="-120"/>
+              <a:cs typeface="Times New Roman" panose="02020603050405020304" pitchFamily="18" charset="0"/>
+            </a:endParaRPr>
+          </a:p>
+        </p:txBody>
+      </p:sp>
+      <p:sp>
+        <p:nvSpPr>
+          <p:cNvPr id="44" name="文字方塊 43">
+            <a:extLst>
+              <a:ext uri="{FF2B5EF4-FFF2-40B4-BE49-F238E27FC236}">
+                <a16:creationId xmlns:a16="http://schemas.microsoft.com/office/drawing/2014/main" id="{F2C68C88-43F4-4953-8E0A-B3F182A81B3C}"/>
+              </a:ext>
+            </a:extLst>
+          </p:cNvPr>
+          <p:cNvSpPr txBox="1"/>
+          <p:nvPr/>
+        </p:nvSpPr>
+        <p:spPr>
+          <a:xfrm>
+            <a:off x="11461534" y="20643490"/>
+            <a:ext cx="10297927" cy="8027088"/>
+          </a:xfrm>
+          <a:prstGeom prst="rect">
+            <a:avLst/>
+          </a:prstGeom>
+          <a:noFill/>
+        </p:spPr>
+        <p:txBody>
+          <a:bodyPr wrap="square" rtlCol="0">
+            <a:spAutoFit/>
+          </a:bodyPr>
+          <a:lstStyle/>
+          <a:p>
+            <a:pPr marL="457200" indent="-457200">
+              <a:buFont typeface="Arial" panose="020B0604020202020204" pitchFamily="34" charset="0"/>
+              <a:buChar char="•"/>
+              <a:tabLst>
+                <a:tab pos="581660" algn="l"/>
+                <a:tab pos="1163320" algn="l"/>
+                <a:tab pos="1744980" algn="l"/>
+                <a:tab pos="2326640" algn="l"/>
+                <a:tab pos="2908300" algn="l"/>
+                <a:tab pos="3489960" algn="l"/>
+                <a:tab pos="4071620" algn="l"/>
+                <a:tab pos="4653280" algn="l"/>
+                <a:tab pos="5234940" algn="l"/>
+                <a:tab pos="5816600" algn="l"/>
+                <a:tab pos="6398260" algn="l"/>
+                <a:tab pos="6979920" algn="l"/>
+                <a:tab pos="7561580" algn="l"/>
+                <a:tab pos="8143240" algn="l"/>
+                <a:tab pos="8724900" algn="l"/>
+                <a:tab pos="9306560" algn="l"/>
+              </a:tabLst>
+            </a:pPr>
+            <a:r>
+              <a:rPr lang="zh-TW" altLang="zh-TW" sz="4000" kern="0" dirty="0">
+                <a:solidFill>
+                  <a:srgbClr val="202124"/>
+                </a:solidFill>
+                <a:effectLst/>
+                <a:latin typeface="Times New Roman" panose="02020603050405020304" pitchFamily="18" charset="0"/>
+                <a:ea typeface="inherit"/>
+                <a:cs typeface="Times New Roman" panose="02020603050405020304" pitchFamily="18" charset="0"/>
+              </a:rPr>
+              <a:t>Results shows that our EDM-RoBERTa model </a:t>
+            </a:r>
+            <a:endParaRPr lang="en-US" altLang="zh-TW" sz="4000" kern="0" dirty="0">
+              <a:solidFill>
+                <a:srgbClr val="202124"/>
+              </a:solidFill>
+              <a:effectLst/>
+              <a:latin typeface="Times New Roman" panose="02020603050405020304" pitchFamily="18" charset="0"/>
+              <a:ea typeface="inherit"/>
+              <a:cs typeface="Times New Roman" panose="02020603050405020304" pitchFamily="18" charset="0"/>
+            </a:endParaRPr>
+          </a:p>
+          <a:p>
+            <a:pPr>
+              <a:tabLst>
+                <a:tab pos="581660" algn="l"/>
+                <a:tab pos="1163320" algn="l"/>
+                <a:tab pos="1744980" algn="l"/>
+                <a:tab pos="2326640" algn="l"/>
+                <a:tab pos="2908300" algn="l"/>
+                <a:tab pos="3489960" algn="l"/>
+                <a:tab pos="4071620" algn="l"/>
+                <a:tab pos="4653280" algn="l"/>
+                <a:tab pos="5234940" algn="l"/>
+                <a:tab pos="5816600" algn="l"/>
+                <a:tab pos="6398260" algn="l"/>
+                <a:tab pos="6979920" algn="l"/>
+                <a:tab pos="7561580" algn="l"/>
+                <a:tab pos="8143240" algn="l"/>
+                <a:tab pos="8724900" algn="l"/>
+                <a:tab pos="9306560" algn="l"/>
+              </a:tabLst>
+            </a:pPr>
+            <a:r>
+              <a:rPr lang="en-US" altLang="zh-TW" sz="4000" kern="0" dirty="0">
+                <a:solidFill>
+                  <a:srgbClr val="202124"/>
+                </a:solidFill>
+                <a:effectLst/>
+                <a:latin typeface="Times New Roman" panose="02020603050405020304" pitchFamily="18" charset="0"/>
+                <a:ea typeface="inherit"/>
+                <a:cs typeface="Times New Roman" panose="02020603050405020304" pitchFamily="18" charset="0"/>
+              </a:rPr>
+              <a:t>o</a:t>
+            </a:r>
+            <a:r>
+              <a:rPr lang="zh-TW" altLang="zh-TW" sz="4000" kern="0" dirty="0">
+                <a:solidFill>
+                  <a:srgbClr val="202124"/>
+                </a:solidFill>
+                <a:effectLst/>
+                <a:latin typeface="Times New Roman" panose="02020603050405020304" pitchFamily="18" charset="0"/>
+                <a:ea typeface="inherit"/>
+                <a:cs typeface="Times New Roman" panose="02020603050405020304" pitchFamily="18" charset="0"/>
+              </a:rPr>
+              <a:t>btains</a:t>
+            </a:r>
+            <a:r>
+              <a:rPr lang="zh-TW" altLang="en-US" sz="4000" kern="0" dirty="0">
+                <a:solidFill>
+                  <a:srgbClr val="202124"/>
+                </a:solidFill>
+                <a:latin typeface="Times New Roman" panose="02020603050405020304" pitchFamily="18" charset="0"/>
+                <a:ea typeface="inherit"/>
+                <a:cs typeface="Times New Roman" panose="02020603050405020304" pitchFamily="18" charset="0"/>
+              </a:rPr>
+              <a:t> </a:t>
+            </a:r>
+            <a:r>
+              <a:rPr lang="zh-TW" altLang="zh-TW" sz="4000" kern="0" dirty="0">
+                <a:solidFill>
+                  <a:srgbClr val="202124"/>
+                </a:solidFill>
+                <a:effectLst/>
+                <a:latin typeface="Times New Roman" panose="02020603050405020304" pitchFamily="18" charset="0"/>
+                <a:ea typeface="inherit"/>
+                <a:cs typeface="Times New Roman" panose="02020603050405020304" pitchFamily="18" charset="0"/>
+              </a:rPr>
+              <a:t>more accurate prediction results than the </a:t>
+            </a:r>
+            <a:endParaRPr lang="en-US" altLang="zh-TW" sz="4000" kern="0" dirty="0">
+              <a:solidFill>
+                <a:srgbClr val="202124"/>
+              </a:solidFill>
+              <a:effectLst/>
+              <a:latin typeface="Times New Roman" panose="02020603050405020304" pitchFamily="18" charset="0"/>
+              <a:ea typeface="inherit"/>
+              <a:cs typeface="Times New Roman" panose="02020603050405020304" pitchFamily="18" charset="0"/>
+            </a:endParaRPr>
+          </a:p>
+          <a:p>
+            <a:pPr>
+              <a:tabLst>
+                <a:tab pos="581660" algn="l"/>
+                <a:tab pos="1163320" algn="l"/>
+                <a:tab pos="1744980" algn="l"/>
+                <a:tab pos="2326640" algn="l"/>
+                <a:tab pos="2908300" algn="l"/>
+                <a:tab pos="3489960" algn="l"/>
+                <a:tab pos="4071620" algn="l"/>
+                <a:tab pos="4653280" algn="l"/>
+                <a:tab pos="5234940" algn="l"/>
+                <a:tab pos="5816600" algn="l"/>
+                <a:tab pos="6398260" algn="l"/>
+                <a:tab pos="6979920" algn="l"/>
+                <a:tab pos="7561580" algn="l"/>
+                <a:tab pos="8143240" algn="l"/>
+                <a:tab pos="8724900" algn="l"/>
+                <a:tab pos="9306560" algn="l"/>
+              </a:tabLst>
+            </a:pPr>
+            <a:r>
+              <a:rPr lang="en-US" altLang="zh-TW" sz="4000" kern="0" dirty="0">
+                <a:solidFill>
+                  <a:srgbClr val="202124"/>
+                </a:solidFill>
+                <a:latin typeface="Times New Roman" panose="02020603050405020304" pitchFamily="18" charset="0"/>
+                <a:ea typeface="inherit"/>
+                <a:cs typeface="Times New Roman" panose="02020603050405020304" pitchFamily="18" charset="0"/>
+              </a:rPr>
+              <a:t>o</a:t>
+            </a:r>
+            <a:r>
+              <a:rPr lang="zh-TW" altLang="zh-TW" sz="4000" kern="0" dirty="0">
+                <a:solidFill>
+                  <a:srgbClr val="202124"/>
+                </a:solidFill>
+                <a:effectLst/>
+                <a:latin typeface="Times New Roman" panose="02020603050405020304" pitchFamily="18" charset="0"/>
+                <a:ea typeface="inherit"/>
+                <a:cs typeface="Times New Roman" panose="02020603050405020304" pitchFamily="18" charset="0"/>
+              </a:rPr>
+              <a:t>riginal Transformer model on word meaning </a:t>
+            </a:r>
+            <a:endParaRPr lang="en-US" altLang="zh-TW" sz="4000" kern="0" dirty="0">
+              <a:solidFill>
+                <a:srgbClr val="202124"/>
+              </a:solidFill>
+              <a:effectLst/>
+              <a:latin typeface="Times New Roman" panose="02020603050405020304" pitchFamily="18" charset="0"/>
+              <a:ea typeface="inherit"/>
+              <a:cs typeface="Times New Roman" panose="02020603050405020304" pitchFamily="18" charset="0"/>
+            </a:endParaRPr>
+          </a:p>
+          <a:p>
+            <a:pPr>
+              <a:tabLst>
+                <a:tab pos="581660" algn="l"/>
+                <a:tab pos="1163320" algn="l"/>
+                <a:tab pos="1744980" algn="l"/>
+                <a:tab pos="2326640" algn="l"/>
+                <a:tab pos="2908300" algn="l"/>
+                <a:tab pos="3489960" algn="l"/>
+                <a:tab pos="4071620" algn="l"/>
+                <a:tab pos="4653280" algn="l"/>
+                <a:tab pos="5234940" algn="l"/>
+                <a:tab pos="5816600" algn="l"/>
+                <a:tab pos="6398260" algn="l"/>
+                <a:tab pos="6979920" algn="l"/>
+                <a:tab pos="7561580" algn="l"/>
+                <a:tab pos="8143240" algn="l"/>
+                <a:tab pos="8724900" algn="l"/>
+                <a:tab pos="9306560" algn="l"/>
+              </a:tabLst>
+            </a:pPr>
+            <a:r>
+              <a:rPr lang="zh-TW" altLang="zh-TW" sz="4000" kern="0" dirty="0">
+                <a:solidFill>
+                  <a:srgbClr val="202124"/>
+                </a:solidFill>
+                <a:effectLst/>
+                <a:latin typeface="Times New Roman" panose="02020603050405020304" pitchFamily="18" charset="0"/>
+                <a:ea typeface="inherit"/>
+                <a:cs typeface="Times New Roman" panose="02020603050405020304" pitchFamily="18" charset="0"/>
+              </a:rPr>
+              <a:t>analysis output, improving the disorderly lack in </a:t>
+            </a:r>
+            <a:endParaRPr lang="en-US" altLang="zh-TW" sz="4000" kern="0" dirty="0">
+              <a:solidFill>
+                <a:srgbClr val="202124"/>
+              </a:solidFill>
+              <a:effectLst/>
+              <a:latin typeface="Times New Roman" panose="02020603050405020304" pitchFamily="18" charset="0"/>
+              <a:ea typeface="inherit"/>
+              <a:cs typeface="Times New Roman" panose="02020603050405020304" pitchFamily="18" charset="0"/>
+            </a:endParaRPr>
+          </a:p>
+          <a:p>
+            <a:pPr>
+              <a:tabLst>
+                <a:tab pos="581660" algn="l"/>
+                <a:tab pos="1163320" algn="l"/>
+                <a:tab pos="1744980" algn="l"/>
+                <a:tab pos="2326640" algn="l"/>
+                <a:tab pos="2908300" algn="l"/>
+                <a:tab pos="3489960" algn="l"/>
+                <a:tab pos="4071620" algn="l"/>
+                <a:tab pos="4653280" algn="l"/>
+                <a:tab pos="5234940" algn="l"/>
+                <a:tab pos="5816600" algn="l"/>
+                <a:tab pos="6398260" algn="l"/>
+                <a:tab pos="6979920" algn="l"/>
+                <a:tab pos="7561580" algn="l"/>
+                <a:tab pos="8143240" algn="l"/>
+                <a:tab pos="8724900" algn="l"/>
+                <a:tab pos="9306560" algn="l"/>
+              </a:tabLst>
+            </a:pPr>
+            <a:r>
+              <a:rPr lang="zh-TW" altLang="zh-TW" sz="4000" kern="0" dirty="0">
+                <a:solidFill>
+                  <a:srgbClr val="202124"/>
+                </a:solidFill>
+                <a:effectLst/>
+                <a:latin typeface="Times New Roman" panose="02020603050405020304" pitchFamily="18" charset="0"/>
+                <a:ea typeface="inherit"/>
+                <a:cs typeface="Times New Roman" panose="02020603050405020304" pitchFamily="18" charset="0"/>
+              </a:rPr>
+              <a:t>coding and decoding process.</a:t>
+            </a:r>
+            <a:endParaRPr lang="zh-TW" altLang="zh-TW" sz="4000" kern="100" dirty="0">
+              <a:effectLst/>
+              <a:latin typeface="Times New Roman" panose="02020603050405020304" pitchFamily="18" charset="0"/>
+              <a:ea typeface="新細明體" panose="02020500000000000000" pitchFamily="18" charset="-120"/>
+              <a:cs typeface="Times New Roman" panose="02020603050405020304" pitchFamily="18" charset="0"/>
+            </a:endParaRPr>
+          </a:p>
+          <a:p>
+            <a:pPr marL="571500" indent="-571500">
+              <a:buFont typeface="Arial" panose="020B0604020202020204" pitchFamily="34" charset="0"/>
+              <a:buChar char="•"/>
+              <a:tabLst>
+                <a:tab pos="581660" algn="l"/>
+                <a:tab pos="1163320" algn="l"/>
+                <a:tab pos="1744980" algn="l"/>
+                <a:tab pos="2326640" algn="l"/>
+                <a:tab pos="2908300" algn="l"/>
+                <a:tab pos="3489960" algn="l"/>
+                <a:tab pos="4071620" algn="l"/>
+                <a:tab pos="4653280" algn="l"/>
+                <a:tab pos="5234940" algn="l"/>
+                <a:tab pos="5816600" algn="l"/>
+                <a:tab pos="6398260" algn="l"/>
+                <a:tab pos="6979920" algn="l"/>
+                <a:tab pos="7561580" algn="l"/>
+                <a:tab pos="8143240" algn="l"/>
+                <a:tab pos="8724900" algn="l"/>
+                <a:tab pos="9306560" algn="l"/>
+              </a:tabLst>
+            </a:pPr>
+            <a:r>
+              <a:rPr lang="zh-TW" altLang="zh-TW" sz="4000" kern="0" dirty="0">
+                <a:solidFill>
+                  <a:srgbClr val="202124"/>
+                </a:solidFill>
+                <a:effectLst/>
+                <a:latin typeface="Times New Roman" panose="02020603050405020304" pitchFamily="18" charset="0"/>
+                <a:ea typeface="inherit"/>
+                <a:cs typeface="Times New Roman" panose="02020603050405020304" pitchFamily="18" charset="0"/>
+              </a:rPr>
+              <a:t>EDM-RoBERTa </a:t>
+            </a:r>
+            <a:r>
+              <a:rPr lang="en-US" altLang="zh-TW" sz="4000" kern="0" dirty="0">
+                <a:solidFill>
+                  <a:srgbClr val="202124"/>
+                </a:solidFill>
+                <a:effectLst/>
+                <a:latin typeface="Times New Roman" panose="02020603050405020304" pitchFamily="18" charset="0"/>
+                <a:ea typeface="細明體" panose="02020509000000000000" pitchFamily="49" charset="-120"/>
+                <a:cs typeface="Times New Roman" panose="02020603050405020304" pitchFamily="18" charset="0"/>
+              </a:rPr>
+              <a:t>not only possesses the </a:t>
+            </a:r>
+          </a:p>
+          <a:p>
+            <a:pPr>
+              <a:tabLst>
+                <a:tab pos="581660" algn="l"/>
+                <a:tab pos="1163320" algn="l"/>
+                <a:tab pos="1744980" algn="l"/>
+                <a:tab pos="2326640" algn="l"/>
+                <a:tab pos="2908300" algn="l"/>
+                <a:tab pos="3489960" algn="l"/>
+                <a:tab pos="4071620" algn="l"/>
+                <a:tab pos="4653280" algn="l"/>
+                <a:tab pos="5234940" algn="l"/>
+                <a:tab pos="5816600" algn="l"/>
+                <a:tab pos="6398260" algn="l"/>
+                <a:tab pos="6979920" algn="l"/>
+                <a:tab pos="7561580" algn="l"/>
+                <a:tab pos="8143240" algn="l"/>
+                <a:tab pos="8724900" algn="l"/>
+                <a:tab pos="9306560" algn="l"/>
+              </a:tabLst>
+            </a:pPr>
+            <a:r>
+              <a:rPr lang="en-US" altLang="zh-TW" sz="4000" kern="0" dirty="0">
+                <a:solidFill>
+                  <a:srgbClr val="202124"/>
+                </a:solidFill>
+                <a:effectLst/>
+                <a:latin typeface="Times New Roman" panose="02020603050405020304" pitchFamily="18" charset="0"/>
+                <a:ea typeface="細明體" panose="02020509000000000000" pitchFamily="49" charset="-120"/>
+                <a:cs typeface="Times New Roman" panose="02020603050405020304" pitchFamily="18" charset="0"/>
+              </a:rPr>
+              <a:t>long-term dependence characteristics of the </a:t>
+            </a:r>
+          </a:p>
+          <a:p>
+            <a:pPr>
+              <a:tabLst>
+                <a:tab pos="581660" algn="l"/>
+                <a:tab pos="1163320" algn="l"/>
+                <a:tab pos="1744980" algn="l"/>
+                <a:tab pos="2326640" algn="l"/>
+                <a:tab pos="2908300" algn="l"/>
+                <a:tab pos="3489960" algn="l"/>
+                <a:tab pos="4071620" algn="l"/>
+                <a:tab pos="4653280" algn="l"/>
+                <a:tab pos="5234940" algn="l"/>
+                <a:tab pos="5816600" algn="l"/>
+                <a:tab pos="6398260" algn="l"/>
+                <a:tab pos="6979920" algn="l"/>
+                <a:tab pos="7561580" algn="l"/>
+                <a:tab pos="8143240" algn="l"/>
+                <a:tab pos="8724900" algn="l"/>
+                <a:tab pos="9306560" algn="l"/>
+              </a:tabLst>
+            </a:pPr>
+            <a:r>
+              <a:rPr lang="en-US" altLang="zh-TW" sz="4000" kern="0" dirty="0">
+                <a:solidFill>
+                  <a:srgbClr val="202124"/>
+                </a:solidFill>
+                <a:effectLst/>
+                <a:latin typeface="Times New Roman" panose="02020603050405020304" pitchFamily="18" charset="0"/>
+                <a:ea typeface="細明體" panose="02020509000000000000" pitchFamily="49" charset="-120"/>
+                <a:cs typeface="Times New Roman" panose="02020603050405020304" pitchFamily="18" charset="0"/>
+              </a:rPr>
+              <a:t>original Transformer, but meet the short-term</a:t>
+            </a:r>
+          </a:p>
+          <a:p>
+            <a:pPr>
+              <a:tabLst>
+                <a:tab pos="581660" algn="l"/>
+                <a:tab pos="1163320" algn="l"/>
+                <a:tab pos="1744980" algn="l"/>
+                <a:tab pos="2326640" algn="l"/>
+                <a:tab pos="2908300" algn="l"/>
+                <a:tab pos="3489960" algn="l"/>
+                <a:tab pos="4071620" algn="l"/>
+                <a:tab pos="4653280" algn="l"/>
+                <a:tab pos="5234940" algn="l"/>
+                <a:tab pos="5816600" algn="l"/>
+                <a:tab pos="6398260" algn="l"/>
+                <a:tab pos="6979920" algn="l"/>
+                <a:tab pos="7561580" algn="l"/>
+                <a:tab pos="8143240" algn="l"/>
+                <a:tab pos="8724900" algn="l"/>
+                <a:tab pos="9306560" algn="l"/>
+              </a:tabLst>
+            </a:pPr>
+            <a:r>
+              <a:rPr lang="en-US" altLang="zh-TW" sz="4000" kern="0" dirty="0">
+                <a:solidFill>
+                  <a:srgbClr val="202124"/>
+                </a:solidFill>
+                <a:effectLst/>
+                <a:latin typeface="Times New Roman" panose="02020603050405020304" pitchFamily="18" charset="0"/>
+                <a:ea typeface="細明體" panose="02020509000000000000" pitchFamily="49" charset="-120"/>
+                <a:cs typeface="Times New Roman" panose="02020603050405020304" pitchFamily="18" charset="0"/>
+              </a:rPr>
+              <a:t>dependency requirements. </a:t>
+            </a:r>
+            <a:endParaRPr lang="zh-TW" altLang="zh-TW" sz="4000" kern="100" dirty="0">
+              <a:effectLst/>
+              <a:latin typeface="Times New Roman" panose="02020603050405020304" pitchFamily="18" charset="0"/>
+              <a:ea typeface="新細明體" panose="02020500000000000000" pitchFamily="18" charset="-120"/>
+              <a:cs typeface="Times New Roman" panose="02020603050405020304" pitchFamily="18" charset="0"/>
+            </a:endParaRPr>
+          </a:p>
+          <a:p>
+            <a:pPr marL="571500" indent="-571500">
+              <a:buFont typeface="Arial" panose="020B0604020202020204" pitchFamily="34" charset="0"/>
+              <a:buChar char="•"/>
+              <a:tabLst>
+                <a:tab pos="581660" algn="l"/>
+                <a:tab pos="1163320" algn="l"/>
+                <a:tab pos="1744980" algn="l"/>
+                <a:tab pos="2326640" algn="l"/>
+                <a:tab pos="2908300" algn="l"/>
+                <a:tab pos="3489960" algn="l"/>
+                <a:tab pos="4071620" algn="l"/>
+                <a:tab pos="4653280" algn="l"/>
+                <a:tab pos="5234940" algn="l"/>
+                <a:tab pos="5816600" algn="l"/>
+                <a:tab pos="6398260" algn="l"/>
+                <a:tab pos="6979920" algn="l"/>
+                <a:tab pos="7561580" algn="l"/>
+                <a:tab pos="8143240" algn="l"/>
+                <a:tab pos="8724900" algn="l"/>
+                <a:tab pos="9306560" algn="l"/>
+              </a:tabLst>
+            </a:pPr>
+            <a:r>
+              <a:rPr lang="zh-TW" altLang="zh-TW" sz="4000" kern="0" dirty="0">
+                <a:solidFill>
+                  <a:srgbClr val="202124"/>
+                </a:solidFill>
+                <a:effectLst/>
+                <a:latin typeface="Times New Roman" panose="02020603050405020304" pitchFamily="18" charset="0"/>
+                <a:ea typeface="inherit"/>
+                <a:cs typeface="Times New Roman" panose="02020603050405020304" pitchFamily="18" charset="0"/>
+              </a:rPr>
+              <a:t>The results of this research will be applied to </a:t>
+            </a:r>
+            <a:endParaRPr lang="en-US" altLang="zh-TW" sz="4000" kern="0" dirty="0">
+              <a:solidFill>
+                <a:srgbClr val="202124"/>
+              </a:solidFill>
+              <a:effectLst/>
+              <a:latin typeface="Times New Roman" panose="02020603050405020304" pitchFamily="18" charset="0"/>
+              <a:ea typeface="inherit"/>
+              <a:cs typeface="Times New Roman" panose="02020603050405020304" pitchFamily="18" charset="0"/>
+            </a:endParaRPr>
+          </a:p>
+          <a:p>
+            <a:pPr>
+              <a:tabLst>
+                <a:tab pos="581660" algn="l"/>
+                <a:tab pos="1163320" algn="l"/>
+                <a:tab pos="1744980" algn="l"/>
+                <a:tab pos="2326640" algn="l"/>
+                <a:tab pos="2908300" algn="l"/>
+                <a:tab pos="3489960" algn="l"/>
+                <a:tab pos="4071620" algn="l"/>
+                <a:tab pos="4653280" algn="l"/>
+                <a:tab pos="5234940" algn="l"/>
+                <a:tab pos="5816600" algn="l"/>
+                <a:tab pos="6398260" algn="l"/>
+                <a:tab pos="6979920" algn="l"/>
+                <a:tab pos="7561580" algn="l"/>
+                <a:tab pos="8143240" algn="l"/>
+                <a:tab pos="8724900" algn="l"/>
+                <a:tab pos="9306560" algn="l"/>
+              </a:tabLst>
+            </a:pPr>
+            <a:r>
+              <a:rPr lang="zh-TW" altLang="zh-TW" sz="4000" kern="0" dirty="0">
+                <a:solidFill>
+                  <a:srgbClr val="202124"/>
+                </a:solidFill>
+                <a:effectLst/>
+                <a:latin typeface="Times New Roman" panose="02020603050405020304" pitchFamily="18" charset="0"/>
+                <a:ea typeface="inherit"/>
+                <a:cs typeface="Times New Roman" panose="02020603050405020304" pitchFamily="18" charset="0"/>
+              </a:rPr>
+              <a:t>other natural language sentiment analysis tasks </a:t>
+            </a:r>
+            <a:endParaRPr lang="en-US" altLang="zh-TW" sz="4000" kern="0" dirty="0">
+              <a:solidFill>
+                <a:srgbClr val="202124"/>
+              </a:solidFill>
+              <a:effectLst/>
+              <a:latin typeface="Times New Roman" panose="02020603050405020304" pitchFamily="18" charset="0"/>
+              <a:ea typeface="inherit"/>
+              <a:cs typeface="Times New Roman" panose="02020603050405020304" pitchFamily="18" charset="0"/>
+            </a:endParaRPr>
+          </a:p>
+          <a:p>
+            <a:pPr>
+              <a:tabLst>
+                <a:tab pos="581660" algn="l"/>
+                <a:tab pos="1163320" algn="l"/>
+                <a:tab pos="1744980" algn="l"/>
+                <a:tab pos="2326640" algn="l"/>
+                <a:tab pos="2908300" algn="l"/>
+                <a:tab pos="3489960" algn="l"/>
+                <a:tab pos="4071620" algn="l"/>
+                <a:tab pos="4653280" algn="l"/>
+                <a:tab pos="5234940" algn="l"/>
+                <a:tab pos="5816600" algn="l"/>
+                <a:tab pos="6398260" algn="l"/>
+                <a:tab pos="6979920" algn="l"/>
+                <a:tab pos="7561580" algn="l"/>
+                <a:tab pos="8143240" algn="l"/>
+                <a:tab pos="8724900" algn="l"/>
+                <a:tab pos="9306560" algn="l"/>
+              </a:tabLst>
+            </a:pPr>
+            <a:r>
+              <a:rPr lang="zh-TW" altLang="zh-TW" sz="4000" kern="0" dirty="0">
+                <a:solidFill>
+                  <a:srgbClr val="202124"/>
+                </a:solidFill>
+                <a:effectLst/>
+                <a:latin typeface="Times New Roman" panose="02020603050405020304" pitchFamily="18" charset="0"/>
+                <a:ea typeface="inherit"/>
+                <a:cs typeface="Times New Roman" panose="02020603050405020304" pitchFamily="18" charset="0"/>
+              </a:rPr>
+              <a:t>such as sentiment analysis and social network </a:t>
+            </a:r>
+            <a:endParaRPr lang="en-US" altLang="zh-TW" sz="4000" kern="0" dirty="0">
+              <a:solidFill>
+                <a:srgbClr val="202124"/>
+              </a:solidFill>
+              <a:effectLst/>
+              <a:latin typeface="Times New Roman" panose="02020603050405020304" pitchFamily="18" charset="0"/>
+              <a:ea typeface="inherit"/>
+              <a:cs typeface="Times New Roman" panose="02020603050405020304" pitchFamily="18" charset="0"/>
+            </a:endParaRPr>
+          </a:p>
+          <a:p>
+            <a:pPr>
+              <a:tabLst>
+                <a:tab pos="581660" algn="l"/>
+                <a:tab pos="1163320" algn="l"/>
+                <a:tab pos="1744980" algn="l"/>
+                <a:tab pos="2326640" algn="l"/>
+                <a:tab pos="2908300" algn="l"/>
+                <a:tab pos="3489960" algn="l"/>
+                <a:tab pos="4071620" algn="l"/>
+                <a:tab pos="4653280" algn="l"/>
+                <a:tab pos="5234940" algn="l"/>
+                <a:tab pos="5816600" algn="l"/>
+                <a:tab pos="6398260" algn="l"/>
+                <a:tab pos="6979920" algn="l"/>
+                <a:tab pos="7561580" algn="l"/>
+                <a:tab pos="8143240" algn="l"/>
+                <a:tab pos="8724900" algn="l"/>
+                <a:tab pos="9306560" algn="l"/>
+              </a:tabLst>
+            </a:pPr>
+            <a:r>
+              <a:rPr lang="zh-TW" altLang="zh-TW" sz="4000" kern="0" dirty="0">
+                <a:solidFill>
+                  <a:srgbClr val="202124"/>
+                </a:solidFill>
+                <a:effectLst/>
+                <a:latin typeface="Times New Roman" panose="02020603050405020304" pitchFamily="18" charset="0"/>
+                <a:ea typeface="inherit"/>
+                <a:cs typeface="Times New Roman" panose="02020603050405020304" pitchFamily="18" charset="0"/>
+              </a:rPr>
+              <a:t>analysis.</a:t>
+            </a:r>
+            <a:endParaRPr lang="zh-TW" altLang="zh-TW" sz="4000" kern="100" dirty="0">
+              <a:effectLst/>
+              <a:latin typeface="Times New Roman" panose="02020603050405020304" pitchFamily="18" charset="0"/>
+              <a:ea typeface="新細明體" panose="02020500000000000000" pitchFamily="18" charset="-120"/>
+              <a:cs typeface="Times New Roman" panose="02020603050405020304" pitchFamily="18" charset="0"/>
+            </a:endParaRPr>
+          </a:p>
+        </p:txBody>
+      </p:sp>
+      <p:sp>
+        <p:nvSpPr>
+          <p:cNvPr id="35" name="Rectangle 3">
+            <a:extLst>
+              <a:ext uri="{FF2B5EF4-FFF2-40B4-BE49-F238E27FC236}">
+                <a16:creationId xmlns:a16="http://schemas.microsoft.com/office/drawing/2014/main" id="{AB836225-6CB4-4012-8968-9CCB9CF2BAC2}"/>
+              </a:ext>
+            </a:extLst>
+          </p:cNvPr>
+          <p:cNvSpPr>
+            <a:spLocks noChangeArrowheads="1"/>
+          </p:cNvSpPr>
+          <p:nvPr/>
+        </p:nvSpPr>
+        <p:spPr bwMode="auto">
+          <a:xfrm>
+            <a:off x="134261" y="12367323"/>
+            <a:ext cx="11303062" cy="4812250"/>
+          </a:xfrm>
+          <a:prstGeom prst="rect">
+            <a:avLst/>
+          </a:prstGeom>
+          <a:solidFill>
+            <a:schemeClr val="accent2">
+              <a:lumMod val="20000"/>
+              <a:lumOff val="80000"/>
+            </a:schemeClr>
+          </a:solidFill>
+          <a:ln>
+            <a:noFill/>
+          </a:ln>
+          <a:effectLst/>
+        </p:spPr>
+        <p:txBody>
+          <a:bodyPr vert="horz" wrap="square" lIns="0" tIns="-55545" rIns="0" bIns="-55545" numCol="1" anchor="ctr" anchorCtr="0" compatLnSpc="1">
+            <a:prstTxWarp prst="textNoShape">
+              <a:avLst/>
+            </a:prstTxWarp>
+            <a:spAutoFit/>
+          </a:bodyPr>
+          <a:lstStyle/>
+          <a:p>
+            <a:pPr marR="0" lvl="0" algn="l" defTabSz="914400" rtl="0" eaLnBrk="0" fontAlgn="base" latinLnBrk="0" hangingPunct="0">
+              <a:lnSpc>
+                <a:spcPct val="100000"/>
+              </a:lnSpc>
+              <a:spcBef>
+                <a:spcPct val="0"/>
+              </a:spcBef>
+              <a:spcAft>
+                <a:spcPct val="0"/>
+              </a:spcAft>
+              <a:buClrTx/>
+              <a:buSzTx/>
+              <a:tabLst/>
+            </a:pPr>
+            <a:r>
+              <a:rPr kumimoji="0" lang="en-US" altLang="zh-TW" sz="4000" b="0" i="0" u="none" strike="noStrike" cap="none" normalizeH="0" baseline="0" dirty="0">
+                <a:ln>
+                  <a:noFill/>
+                </a:ln>
+                <a:solidFill>
+                  <a:srgbClr val="202124"/>
+                </a:solidFill>
+                <a:effectLst/>
+                <a:latin typeface="Times New Roman" panose="02020603050405020304" pitchFamily="18" charset="0"/>
+                <a:ea typeface="inherit"/>
+                <a:cs typeface="Times New Roman" panose="02020603050405020304" pitchFamily="18" charset="0"/>
+              </a:rPr>
+              <a:t>	</a:t>
+            </a:r>
+            <a:r>
+              <a:rPr kumimoji="0" lang="zh-TW" altLang="zh-TW" sz="4000" b="0" i="0" u="none" strike="noStrike" cap="none" normalizeH="0" baseline="0" dirty="0">
+                <a:ln>
+                  <a:noFill/>
+                </a:ln>
+                <a:solidFill>
+                  <a:srgbClr val="202124"/>
+                </a:solidFill>
+                <a:effectLst/>
+                <a:latin typeface="Times New Roman" panose="02020603050405020304" pitchFamily="18" charset="0"/>
+                <a:ea typeface="inherit"/>
+                <a:cs typeface="Times New Roman" panose="02020603050405020304" pitchFamily="18" charset="0"/>
+              </a:rPr>
+              <a:t>The research source </a:t>
+            </a:r>
+            <a:r>
+              <a:rPr lang="en-US" altLang="zh-TW" sz="4000" dirty="0">
+                <a:solidFill>
+                  <a:srgbClr val="202124"/>
+                </a:solidFill>
+                <a:latin typeface="Times New Roman" panose="02020603050405020304" pitchFamily="18" charset="0"/>
+                <a:ea typeface="inherit"/>
+                <a:cs typeface="Times New Roman" panose="02020603050405020304" pitchFamily="18" charset="0"/>
+              </a:rPr>
+              <a:t>are</a:t>
+            </a:r>
+            <a:r>
+              <a:rPr kumimoji="0" lang="zh-TW" altLang="zh-TW" sz="4000" b="0" i="0" u="none" strike="noStrike" cap="none" normalizeH="0" baseline="0" dirty="0">
+                <a:ln>
+                  <a:noFill/>
+                </a:ln>
+                <a:solidFill>
+                  <a:srgbClr val="202124"/>
+                </a:solidFill>
+                <a:effectLst/>
+                <a:latin typeface="Times New Roman" panose="02020603050405020304" pitchFamily="18" charset="0"/>
+                <a:ea typeface="inherit"/>
+                <a:cs typeface="Times New Roman" panose="02020603050405020304" pitchFamily="18" charset="0"/>
+              </a:rPr>
+              <a:t> Transformer-based </a:t>
+            </a:r>
+            <a:r>
+              <a:rPr kumimoji="0" lang="en-US" altLang="zh-TW" sz="4000" b="0" i="0" u="none" strike="noStrike" cap="none" normalizeH="0" baseline="0" dirty="0">
+                <a:ln>
+                  <a:noFill/>
+                </a:ln>
+                <a:solidFill>
+                  <a:srgbClr val="202124"/>
+                </a:solidFill>
+                <a:effectLst/>
+                <a:latin typeface="Times New Roman" panose="02020603050405020304" pitchFamily="18" charset="0"/>
+                <a:ea typeface="inherit"/>
+                <a:cs typeface="Times New Roman" panose="02020603050405020304" pitchFamily="18" charset="0"/>
+              </a:rPr>
+              <a:t>models</a:t>
+            </a:r>
+          </a:p>
+          <a:p>
+            <a:pPr marR="0" lvl="0" algn="l" defTabSz="914400" rtl="0" eaLnBrk="0" fontAlgn="base" latinLnBrk="0" hangingPunct="0">
+              <a:lnSpc>
+                <a:spcPct val="100000"/>
+              </a:lnSpc>
+              <a:spcBef>
+                <a:spcPct val="0"/>
+              </a:spcBef>
+              <a:spcAft>
+                <a:spcPct val="0"/>
+              </a:spcAft>
+              <a:buClrTx/>
+              <a:buSzTx/>
+              <a:tabLst/>
+            </a:pPr>
+            <a:r>
+              <a:rPr kumimoji="0" lang="zh-TW" altLang="zh-TW" sz="4000" b="0" i="0" u="none" strike="noStrike" cap="none" normalizeH="0" baseline="0" dirty="0">
+                <a:ln>
+                  <a:noFill/>
+                </a:ln>
+                <a:solidFill>
+                  <a:srgbClr val="202124"/>
+                </a:solidFill>
+                <a:effectLst/>
+                <a:latin typeface="Times New Roman" panose="02020603050405020304" pitchFamily="18" charset="0"/>
+                <a:ea typeface="inherit"/>
+                <a:cs typeface="Times New Roman" panose="02020603050405020304" pitchFamily="18" charset="0"/>
+              </a:rPr>
+              <a:t>(BERT, RoBERTa, XLNet, DistilBERT), SHA-RNN </a:t>
+            </a:r>
+            <a:r>
+              <a:rPr lang="en-US" altLang="zh-TW" sz="4000" dirty="0">
+                <a:solidFill>
+                  <a:srgbClr val="202124"/>
+                </a:solidFill>
+                <a:latin typeface="Times New Roman" panose="02020603050405020304" pitchFamily="18" charset="0"/>
+                <a:ea typeface="inherit"/>
+                <a:cs typeface="Times New Roman" panose="02020603050405020304" pitchFamily="18" charset="0"/>
+              </a:rPr>
+              <a:t>,</a:t>
+            </a:r>
+            <a:br>
+              <a:rPr lang="en-US" altLang="zh-TW" sz="4000" dirty="0">
+                <a:solidFill>
+                  <a:srgbClr val="202124"/>
+                </a:solidFill>
+                <a:latin typeface="Times New Roman" panose="02020603050405020304" pitchFamily="18" charset="0"/>
+                <a:ea typeface="inherit"/>
+                <a:cs typeface="Times New Roman" panose="02020603050405020304" pitchFamily="18" charset="0"/>
+              </a:rPr>
+            </a:br>
+            <a:r>
+              <a:rPr kumimoji="0" lang="zh-TW" altLang="zh-TW" sz="4000" b="0" i="0" u="none" strike="noStrike" cap="none" normalizeH="0" baseline="0" dirty="0">
+                <a:ln>
+                  <a:noFill/>
+                </a:ln>
+                <a:solidFill>
+                  <a:srgbClr val="202124"/>
+                </a:solidFill>
+                <a:effectLst/>
+                <a:latin typeface="Times New Roman" panose="02020603050405020304" pitchFamily="18" charset="0"/>
+                <a:ea typeface="inherit"/>
+                <a:cs typeface="Times New Roman" panose="02020603050405020304" pitchFamily="18" charset="0"/>
+              </a:rPr>
+              <a:t>and the self-attention mechanism in Transformer as the</a:t>
+            </a:r>
+            <a:br>
+              <a:rPr kumimoji="0" lang="en-US" altLang="zh-TW" sz="4000" b="0" i="0" u="none" strike="noStrike" cap="none" normalizeH="0" baseline="0" dirty="0">
+                <a:ln>
+                  <a:noFill/>
+                </a:ln>
+                <a:solidFill>
+                  <a:srgbClr val="202124"/>
+                </a:solidFill>
+                <a:effectLst/>
+                <a:latin typeface="Times New Roman" panose="02020603050405020304" pitchFamily="18" charset="0"/>
+                <a:ea typeface="inherit"/>
+                <a:cs typeface="Times New Roman" panose="02020603050405020304" pitchFamily="18" charset="0"/>
+              </a:rPr>
+            </a:br>
+            <a:r>
+              <a:rPr kumimoji="0" lang="zh-TW" altLang="zh-TW" sz="4000" b="0" i="0" u="none" strike="noStrike" cap="none" normalizeH="0" baseline="0" dirty="0">
+                <a:ln>
+                  <a:noFill/>
+                </a:ln>
+                <a:solidFill>
+                  <a:srgbClr val="202124"/>
+                </a:solidFill>
+                <a:effectLst/>
+                <a:latin typeface="Times New Roman" panose="02020603050405020304" pitchFamily="18" charset="0"/>
+                <a:ea typeface="inherit"/>
+                <a:cs typeface="Times New Roman" panose="02020603050405020304" pitchFamily="18" charset="0"/>
+              </a:rPr>
+              <a:t>main axis</a:t>
+            </a:r>
+            <a:r>
+              <a:rPr kumimoji="0" lang="en-US" altLang="zh-TW" sz="4000" b="0" i="0" u="none" strike="noStrike" cap="none" normalizeH="0" baseline="0" dirty="0">
+                <a:ln>
+                  <a:noFill/>
+                </a:ln>
+                <a:solidFill>
+                  <a:srgbClr val="202124"/>
+                </a:solidFill>
+                <a:effectLst/>
+                <a:latin typeface="Times New Roman" panose="02020603050405020304" pitchFamily="18" charset="0"/>
+                <a:ea typeface="inherit"/>
+                <a:cs typeface="Times New Roman" panose="02020603050405020304" pitchFamily="18" charset="0"/>
+              </a:rPr>
+              <a:t>.</a:t>
+            </a:r>
+            <a:r>
+              <a:rPr kumimoji="0" lang="zh-TW" altLang="zh-TW" sz="4000" b="0" i="0" u="none" strike="noStrike" cap="none" normalizeH="0" baseline="0" dirty="0">
+                <a:ln>
+                  <a:noFill/>
+                </a:ln>
+                <a:solidFill>
+                  <a:srgbClr val="202124"/>
+                </a:solidFill>
+                <a:effectLst/>
+                <a:latin typeface="Times New Roman" panose="02020603050405020304" pitchFamily="18" charset="0"/>
+                <a:ea typeface="inherit"/>
+                <a:cs typeface="Times New Roman" panose="02020603050405020304" pitchFamily="18" charset="0"/>
+              </a:rPr>
+              <a:t> </a:t>
+            </a:r>
+            <a:r>
+              <a:rPr lang="en-US" altLang="zh-TW" sz="4000" dirty="0">
+                <a:solidFill>
+                  <a:srgbClr val="202124"/>
+                </a:solidFill>
+                <a:latin typeface="Times New Roman" panose="02020603050405020304" pitchFamily="18" charset="0"/>
+                <a:ea typeface="inherit"/>
+                <a:cs typeface="Times New Roman" panose="02020603050405020304" pitchFamily="18" charset="0"/>
+              </a:rPr>
+              <a:t>T</a:t>
+            </a:r>
+            <a:r>
+              <a:rPr kumimoji="0" lang="zh-TW" altLang="zh-TW" sz="4000" b="0" i="0" u="none" strike="noStrike" cap="none" normalizeH="0" baseline="0" dirty="0">
+                <a:ln>
+                  <a:noFill/>
+                </a:ln>
+                <a:solidFill>
+                  <a:srgbClr val="202124"/>
+                </a:solidFill>
+                <a:effectLst/>
+                <a:latin typeface="Times New Roman" panose="02020603050405020304" pitchFamily="18" charset="0"/>
+                <a:ea typeface="inherit"/>
+                <a:cs typeface="Times New Roman" panose="02020603050405020304" pitchFamily="18" charset="0"/>
+              </a:rPr>
+              <a:t>he Boom Layer of SHA-RNN is </a:t>
+            </a:r>
+            <a:endParaRPr kumimoji="0" lang="en-US" altLang="zh-TW" sz="4000" b="0" i="0" u="none" strike="noStrike" cap="none" normalizeH="0" baseline="0" dirty="0">
+              <a:ln>
+                <a:noFill/>
+              </a:ln>
+              <a:solidFill>
+                <a:srgbClr val="202124"/>
+              </a:solidFill>
+              <a:effectLst/>
+              <a:latin typeface="Times New Roman" panose="02020603050405020304" pitchFamily="18" charset="0"/>
+              <a:ea typeface="inherit"/>
+              <a:cs typeface="Times New Roman" panose="02020603050405020304" pitchFamily="18" charset="0"/>
+            </a:endParaRPr>
+          </a:p>
+          <a:p>
+            <a:pPr marR="0" lvl="0" algn="l" defTabSz="914400" rtl="0" eaLnBrk="0" fontAlgn="base" latinLnBrk="0" hangingPunct="0">
+              <a:lnSpc>
+                <a:spcPct val="100000"/>
+              </a:lnSpc>
+              <a:spcBef>
+                <a:spcPct val="0"/>
+              </a:spcBef>
+              <a:spcAft>
+                <a:spcPct val="0"/>
+              </a:spcAft>
+              <a:buClrTx/>
+              <a:buSzTx/>
+              <a:tabLst/>
+            </a:pPr>
+            <a:r>
+              <a:rPr kumimoji="0" lang="zh-TW" altLang="zh-TW" sz="4000" b="0" i="0" u="none" strike="noStrike" cap="none" normalizeH="0" baseline="0" dirty="0">
+                <a:ln>
+                  <a:noFill/>
+                </a:ln>
+                <a:solidFill>
+                  <a:srgbClr val="202124"/>
+                </a:solidFill>
+                <a:effectLst/>
+                <a:latin typeface="Times New Roman" panose="02020603050405020304" pitchFamily="18" charset="0"/>
+                <a:ea typeface="inherit"/>
+                <a:cs typeface="Times New Roman" panose="02020603050405020304" pitchFamily="18" charset="0"/>
+              </a:rPr>
+              <a:t>transformed to realize the attention mechanism for high-dimensional vectors </a:t>
+            </a:r>
+            <a:r>
+              <a:rPr lang="en-US" altLang="zh-TW" sz="4000" dirty="0">
+                <a:solidFill>
+                  <a:srgbClr val="202124"/>
+                </a:solidFill>
+                <a:latin typeface="Times New Roman" panose="02020603050405020304" pitchFamily="18" charset="0"/>
+                <a:ea typeface="inherit"/>
+                <a:cs typeface="Times New Roman" panose="02020603050405020304" pitchFamily="18" charset="0"/>
+              </a:rPr>
+              <a:t>c</a:t>
+            </a:r>
+            <a:r>
+              <a:rPr kumimoji="0" lang="zh-TW" altLang="zh-TW" sz="4000" b="0" i="0" u="none" strike="noStrike" cap="none" normalizeH="0" baseline="0" dirty="0">
+                <a:ln>
+                  <a:noFill/>
+                </a:ln>
+                <a:solidFill>
+                  <a:srgbClr val="202124"/>
+                </a:solidFill>
+                <a:effectLst/>
+                <a:latin typeface="Times New Roman" panose="02020603050405020304" pitchFamily="18" charset="0"/>
+                <a:ea typeface="inherit"/>
+                <a:cs typeface="Times New Roman" panose="02020603050405020304" pitchFamily="18" charset="0"/>
+              </a:rPr>
+              <a:t>onvert</a:t>
+            </a:r>
+            <a:r>
+              <a:rPr kumimoji="0" lang="en-US" altLang="zh-TW" sz="4000" b="0" i="0" u="none" strike="noStrike" cap="none" normalizeH="0" baseline="0" dirty="0">
+                <a:ln>
+                  <a:noFill/>
+                </a:ln>
+                <a:solidFill>
+                  <a:srgbClr val="202124"/>
+                </a:solidFill>
+                <a:effectLst/>
+                <a:latin typeface="Times New Roman" panose="02020603050405020304" pitchFamily="18" charset="0"/>
+                <a:ea typeface="inherit"/>
+                <a:cs typeface="Times New Roman" panose="02020603050405020304" pitchFamily="18" charset="0"/>
+              </a:rPr>
+              <a:t>ion</a:t>
+            </a:r>
+            <a:r>
+              <a:rPr kumimoji="0" lang="zh-TW" altLang="zh-TW" sz="4000" b="0" i="0" u="none" strike="noStrike" cap="none" normalizeH="0" baseline="0" dirty="0">
+                <a:ln>
+                  <a:noFill/>
+                </a:ln>
+                <a:solidFill>
+                  <a:srgbClr val="202124"/>
+                </a:solidFill>
+                <a:effectLst/>
+                <a:latin typeface="Times New Roman" panose="02020603050405020304" pitchFamily="18" charset="0"/>
+                <a:ea typeface="inherit"/>
+                <a:cs typeface="Times New Roman" panose="02020603050405020304" pitchFamily="18" charset="0"/>
+              </a:rPr>
+              <a:t>, improv</a:t>
+            </a:r>
+            <a:r>
+              <a:rPr lang="en-US" altLang="zh-TW" sz="4000" dirty="0">
+                <a:solidFill>
+                  <a:srgbClr val="202124"/>
+                </a:solidFill>
+                <a:latin typeface="Times New Roman" panose="02020603050405020304" pitchFamily="18" charset="0"/>
+                <a:ea typeface="inherit"/>
+                <a:cs typeface="Times New Roman" panose="02020603050405020304" pitchFamily="18" charset="0"/>
+              </a:rPr>
+              <a:t>e</a:t>
+            </a:r>
+            <a:r>
+              <a:rPr kumimoji="0" lang="zh-TW" altLang="zh-TW" sz="4000" b="0" i="0" u="none" strike="noStrike" cap="none" normalizeH="0" baseline="0" dirty="0">
+                <a:ln>
+                  <a:noFill/>
+                </a:ln>
+                <a:solidFill>
+                  <a:srgbClr val="202124"/>
+                </a:solidFill>
+                <a:effectLst/>
+                <a:latin typeface="Times New Roman" panose="02020603050405020304" pitchFamily="18" charset="0"/>
+                <a:ea typeface="inherit"/>
+                <a:cs typeface="Times New Roman" panose="02020603050405020304" pitchFamily="18" charset="0"/>
+              </a:rPr>
+              <a:t> the original multi-head </a:t>
+            </a:r>
+            <a:r>
+              <a:rPr lang="en-US" altLang="zh-TW" sz="4000" dirty="0">
+                <a:solidFill>
+                  <a:srgbClr val="202124"/>
+                </a:solidFill>
+                <a:latin typeface="Times New Roman" panose="02020603050405020304" pitchFamily="18" charset="0"/>
+                <a:ea typeface="inherit"/>
+                <a:cs typeface="Times New Roman" panose="02020603050405020304" pitchFamily="18" charset="0"/>
+              </a:rPr>
+              <a:t>a</a:t>
+            </a:r>
+            <a:r>
+              <a:rPr kumimoji="0" lang="zh-TW" altLang="zh-TW" sz="4000" b="0" i="0" u="none" strike="noStrike" cap="none" normalizeH="0" baseline="0" dirty="0">
+                <a:ln>
+                  <a:noFill/>
+                </a:ln>
+                <a:solidFill>
+                  <a:srgbClr val="202124"/>
+                </a:solidFill>
+                <a:effectLst/>
+                <a:latin typeface="Times New Roman" panose="02020603050405020304" pitchFamily="18" charset="0"/>
+                <a:ea typeface="inherit"/>
+                <a:cs typeface="Times New Roman" panose="02020603050405020304" pitchFamily="18" charset="0"/>
+              </a:rPr>
+              <a:t>ttention</a:t>
+            </a:r>
+            <a:r>
+              <a:rPr lang="en-US" altLang="zh-TW" sz="4000" dirty="0">
+                <a:solidFill>
+                  <a:srgbClr val="202124"/>
+                </a:solidFill>
+                <a:latin typeface="Times New Roman" panose="02020603050405020304" pitchFamily="18" charset="0"/>
+                <a:ea typeface="inherit"/>
+                <a:cs typeface="Times New Roman" panose="02020603050405020304" pitchFamily="18" charset="0"/>
+              </a:rPr>
+              <a:t> </a:t>
+            </a:r>
+            <a:r>
+              <a:rPr kumimoji="0" lang="zh-TW" altLang="zh-TW" sz="4000" b="0" i="0" u="none" strike="noStrike" cap="none" normalizeH="0" baseline="0" dirty="0">
+                <a:ln>
+                  <a:noFill/>
+                </a:ln>
+                <a:solidFill>
+                  <a:srgbClr val="202124"/>
+                </a:solidFill>
+                <a:effectLst/>
+                <a:latin typeface="Times New Roman" panose="02020603050405020304" pitchFamily="18" charset="0"/>
+                <a:ea typeface="inherit"/>
+                <a:cs typeface="Times New Roman" panose="02020603050405020304" pitchFamily="18" charset="0"/>
+              </a:rPr>
+              <a:t>mechanism in the encoder</a:t>
+            </a:r>
+            <a:r>
+              <a:rPr kumimoji="0" lang="en-US" altLang="zh-TW" sz="4000" b="0" i="0" u="none" strike="noStrike" cap="none" normalizeH="0" baseline="0" dirty="0">
+                <a:ln>
+                  <a:noFill/>
+                </a:ln>
+                <a:solidFill>
+                  <a:srgbClr val="202124"/>
+                </a:solidFill>
+                <a:effectLst/>
+                <a:latin typeface="Times New Roman" panose="02020603050405020304" pitchFamily="18" charset="0"/>
+                <a:ea typeface="inherit"/>
+                <a:cs typeface="Times New Roman" panose="02020603050405020304" pitchFamily="18" charset="0"/>
+              </a:rPr>
+              <a:t> of Transformer</a:t>
+            </a:r>
+            <a:r>
+              <a:rPr kumimoji="0" lang="zh-TW" altLang="zh-TW" sz="4000" b="0" i="0" u="none" strike="noStrike" cap="none" normalizeH="0" baseline="0" dirty="0">
+                <a:ln>
+                  <a:noFill/>
+                </a:ln>
+                <a:solidFill>
+                  <a:srgbClr val="202124"/>
+                </a:solidFill>
+                <a:effectLst/>
+                <a:latin typeface="Times New Roman" panose="02020603050405020304" pitchFamily="18" charset="0"/>
+                <a:ea typeface="inherit"/>
+                <a:cs typeface="Times New Roman" panose="02020603050405020304" pitchFamily="18" charset="0"/>
+              </a:rPr>
+              <a:t>.</a:t>
+            </a:r>
+            <a:r>
+              <a:rPr kumimoji="0" lang="zh-TW" altLang="zh-TW" sz="4000" b="0" i="0" u="none" strike="noStrike" cap="none" normalizeH="0" baseline="0" dirty="0">
+                <a:ln>
+                  <a:noFill/>
+                </a:ln>
+                <a:solidFill>
+                  <a:schemeClr val="tx1"/>
+                </a:solidFill>
+                <a:effectLst/>
+                <a:latin typeface="Times New Roman" panose="02020603050405020304" pitchFamily="18" charset="0"/>
+                <a:cs typeface="Times New Roman" panose="02020603050405020304" pitchFamily="18" charset="0"/>
+              </a:rPr>
+              <a:t> </a:t>
+            </a:r>
+          </a:p>
+        </p:txBody>
+      </p:sp>
       <p:pic>
         <p:nvPicPr>
-          <p:cNvPr id="12" name="圖片 11">
+          <p:cNvPr id="37" name="圖片 36">
             <a:extLst>
               <a:ext uri="{FF2B5EF4-FFF2-40B4-BE49-F238E27FC236}">
-                <a16:creationId xmlns:a16="http://schemas.microsoft.com/office/drawing/2014/main" id="{847201D7-6E8E-49C5-A083-1EF720F02CCC}"/>
+                <a16:creationId xmlns:a16="http://schemas.microsoft.com/office/drawing/2014/main" id="{F798ED8F-8C9F-4417-ADDE-D9D10A6DEB0D}"/>
               </a:ext>
             </a:extLst>
           </p:cNvPr>
@@ -4009,1543 +5509,7 @@
         </p:blipFill>
         <p:spPr>
           <a:xfrm>
-            <a:off x="3918434" y="28933358"/>
-            <a:ext cx="1251673" cy="1251673"/>
-          </a:xfrm>
-          <a:prstGeom prst="rect">
-            <a:avLst/>
-          </a:prstGeom>
-        </p:spPr>
-      </p:pic>
-      <p:sp>
-        <p:nvSpPr>
-          <p:cNvPr id="7" name="文字方塊 6">
-            <a:extLst>
-              <a:ext uri="{FF2B5EF4-FFF2-40B4-BE49-F238E27FC236}">
-                <a16:creationId xmlns:a16="http://schemas.microsoft.com/office/drawing/2014/main" id="{F364376C-FF1E-4A69-9463-3C5101CD0DA5}"/>
-              </a:ext>
-            </a:extLst>
-          </p:cNvPr>
-          <p:cNvSpPr txBox="1"/>
-          <p:nvPr/>
-        </p:nvSpPr>
-        <p:spPr>
-          <a:xfrm>
-            <a:off x="4801586" y="17495453"/>
-            <a:ext cx="1755609" cy="784830"/>
-          </a:xfrm>
-          <a:prstGeom prst="rect">
-            <a:avLst/>
-          </a:prstGeom>
-          <a:noFill/>
-        </p:spPr>
-        <p:txBody>
-          <a:bodyPr wrap="none" rtlCol="0">
-            <a:spAutoFit/>
-          </a:bodyPr>
-          <a:lstStyle/>
-          <a:p>
-            <a:r>
-              <a:rPr lang="en-US" altLang="zh-TW" sz="4500" b="1" dirty="0">
-                <a:latin typeface="Times New Roman" panose="02020603050405020304" pitchFamily="18" charset="0"/>
-                <a:ea typeface="標楷體" panose="03000509000000000000" pitchFamily="65" charset="-120"/>
-                <a:cs typeface="Times New Roman" panose="02020603050405020304" pitchFamily="18" charset="0"/>
-              </a:rPr>
-              <a:t>Result</a:t>
-            </a:r>
-            <a:endParaRPr lang="zh-TW" altLang="en-US" sz="4500" b="1" dirty="0">
-              <a:latin typeface="Times New Roman" panose="02020603050405020304" pitchFamily="18" charset="0"/>
-              <a:ea typeface="標楷體" panose="03000509000000000000" pitchFamily="65" charset="-120"/>
-              <a:cs typeface="Times New Roman" panose="02020603050405020304" pitchFamily="18" charset="0"/>
-            </a:endParaRPr>
-          </a:p>
-        </p:txBody>
-      </p:sp>
-      <p:sp>
-        <p:nvSpPr>
-          <p:cNvPr id="16" name="文字方塊 15">
-            <a:extLst>
-              <a:ext uri="{FF2B5EF4-FFF2-40B4-BE49-F238E27FC236}">
-                <a16:creationId xmlns:a16="http://schemas.microsoft.com/office/drawing/2014/main" id="{2D400D44-FAE0-4F81-839D-58D0AE43DE16}"/>
-              </a:ext>
-            </a:extLst>
-          </p:cNvPr>
-          <p:cNvSpPr txBox="1"/>
-          <p:nvPr/>
-        </p:nvSpPr>
-        <p:spPr>
-          <a:xfrm>
-            <a:off x="39228" y="18431355"/>
-            <a:ext cx="11577080" cy="646331"/>
-          </a:xfrm>
-          <a:prstGeom prst="rect">
-            <a:avLst/>
-          </a:prstGeom>
-          <a:noFill/>
-        </p:spPr>
-        <p:txBody>
-          <a:bodyPr wrap="none" rtlCol="0">
-            <a:spAutoFit/>
-          </a:bodyPr>
-          <a:lstStyle/>
-          <a:p>
-            <a:pPr marL="457200" indent="-457200">
-              <a:buFont typeface="Wingdings" panose="05000000000000000000" pitchFamily="2" charset="2"/>
-              <a:buChar char="Ø"/>
-            </a:pPr>
-            <a:r>
-              <a:rPr lang="en-US" altLang="zh-TW" sz="3600" dirty="0">
-                <a:latin typeface="Times New Roman" panose="02020603050405020304" pitchFamily="18" charset="0"/>
-                <a:ea typeface="標楷體" panose="03000509000000000000" pitchFamily="65" charset="-120"/>
-                <a:cs typeface="Times New Roman" panose="02020603050405020304" pitchFamily="18" charset="0"/>
-              </a:rPr>
-              <a:t>Fine-tuning Transformer-based Models with IMDb Dataset</a:t>
-            </a:r>
-            <a:endParaRPr lang="zh-TW" altLang="en-US" sz="3600" dirty="0">
-              <a:latin typeface="Times New Roman" panose="02020603050405020304" pitchFamily="18" charset="0"/>
-              <a:ea typeface="標楷體" panose="03000509000000000000" pitchFamily="65" charset="-120"/>
-              <a:cs typeface="Times New Roman" panose="02020603050405020304" pitchFamily="18" charset="0"/>
-            </a:endParaRPr>
-          </a:p>
-        </p:txBody>
-      </p:sp>
-      <p:sp>
-        <p:nvSpPr>
-          <p:cNvPr id="17" name="文字方塊 16">
-            <a:extLst>
-              <a:ext uri="{FF2B5EF4-FFF2-40B4-BE49-F238E27FC236}">
-                <a16:creationId xmlns:a16="http://schemas.microsoft.com/office/drawing/2014/main" id="{8EC96BC0-22C0-4AC9-B183-F24EDAA616BC}"/>
-              </a:ext>
-            </a:extLst>
-          </p:cNvPr>
-          <p:cNvSpPr txBox="1"/>
-          <p:nvPr/>
-        </p:nvSpPr>
-        <p:spPr>
-          <a:xfrm>
-            <a:off x="184603" y="23403712"/>
-            <a:ext cx="10491975" cy="1200329"/>
-          </a:xfrm>
-          <a:prstGeom prst="rect">
-            <a:avLst/>
-          </a:prstGeom>
-          <a:noFill/>
-        </p:spPr>
-        <p:txBody>
-          <a:bodyPr wrap="square" rtlCol="0">
-            <a:spAutoFit/>
-          </a:bodyPr>
-          <a:lstStyle/>
-          <a:p>
-            <a:pPr marL="457200" indent="-457200">
-              <a:buFont typeface="Wingdings" panose="05000000000000000000" pitchFamily="2" charset="2"/>
-              <a:buChar char="Ø"/>
-            </a:pPr>
-            <a:r>
-              <a:rPr lang="en-US" altLang="zh-TW" sz="3600" dirty="0">
-                <a:latin typeface="Times New Roman" panose="02020603050405020304" pitchFamily="18" charset="0"/>
-                <a:ea typeface="標楷體" panose="03000509000000000000" pitchFamily="65" charset="-120"/>
-                <a:cs typeface="Times New Roman" panose="02020603050405020304" pitchFamily="18" charset="0"/>
-              </a:rPr>
-              <a:t>Fine-tuning Transformer-based Models with </a:t>
-            </a:r>
-          </a:p>
-          <a:p>
-            <a:r>
-              <a:rPr lang="zh-TW" altLang="en-US" sz="3600" dirty="0">
-                <a:latin typeface="Times New Roman" panose="02020603050405020304" pitchFamily="18" charset="0"/>
-                <a:ea typeface="標楷體" panose="03000509000000000000" pitchFamily="65" charset="-120"/>
-                <a:cs typeface="Times New Roman" panose="02020603050405020304" pitchFamily="18" charset="0"/>
-              </a:rPr>
-              <a:t>    </a:t>
-            </a:r>
-            <a:r>
-              <a:rPr lang="en-US" altLang="zh-TW" sz="3600" dirty="0">
-                <a:latin typeface="Times New Roman" panose="02020603050405020304" pitchFamily="18" charset="0"/>
-                <a:ea typeface="標楷體" panose="03000509000000000000" pitchFamily="65" charset="-120"/>
-                <a:cs typeface="Times New Roman" panose="02020603050405020304" pitchFamily="18" charset="0"/>
-              </a:rPr>
-              <a:t>Rotten Tomatoes Dataset</a:t>
-            </a:r>
-            <a:r>
-              <a:rPr lang="zh-TW" altLang="zh-TW" sz="3600" dirty="0">
-                <a:effectLst/>
-                <a:latin typeface="Times New Roman" panose="02020603050405020304" pitchFamily="18" charset="0"/>
-                <a:ea typeface="標楷體" panose="03000509000000000000" pitchFamily="65" charset="-120"/>
-                <a:cs typeface="Times New Roman" panose="02020603050405020304" pitchFamily="18" charset="0"/>
-              </a:rPr>
-              <a:t> </a:t>
-            </a:r>
-            <a:endParaRPr lang="zh-TW" altLang="en-US" sz="3600" dirty="0">
-              <a:latin typeface="Times New Roman" panose="02020603050405020304" pitchFamily="18" charset="0"/>
-              <a:ea typeface="標楷體" panose="03000509000000000000" pitchFamily="65" charset="-120"/>
-              <a:cs typeface="Times New Roman" panose="02020603050405020304" pitchFamily="18" charset="0"/>
-            </a:endParaRPr>
-          </a:p>
-        </p:txBody>
-      </p:sp>
-      <p:sp>
-        <p:nvSpPr>
-          <p:cNvPr id="19" name="文字方塊 18">
-            <a:extLst>
-              <a:ext uri="{FF2B5EF4-FFF2-40B4-BE49-F238E27FC236}">
-                <a16:creationId xmlns:a16="http://schemas.microsoft.com/office/drawing/2014/main" id="{04F1300C-3DB6-4815-8458-F49C54342FF9}"/>
-              </a:ext>
-            </a:extLst>
-          </p:cNvPr>
-          <p:cNvSpPr txBox="1"/>
-          <p:nvPr/>
-        </p:nvSpPr>
-        <p:spPr>
-          <a:xfrm>
-            <a:off x="11204972" y="4746906"/>
-            <a:ext cx="11505476" cy="1200329"/>
-          </a:xfrm>
-          <a:prstGeom prst="rect">
-            <a:avLst/>
-          </a:prstGeom>
-          <a:noFill/>
-        </p:spPr>
-        <p:txBody>
-          <a:bodyPr wrap="square" rtlCol="0">
-            <a:spAutoFit/>
-          </a:bodyPr>
-          <a:lstStyle/>
-          <a:p>
-            <a:pPr marL="457200" indent="-457200">
-              <a:buFont typeface="Arial" panose="020B0604020202020204" pitchFamily="34" charset="0"/>
-              <a:buChar char="•"/>
-            </a:pPr>
-            <a:r>
-              <a:rPr lang="zh-TW" altLang="zh-TW" sz="3400" dirty="0">
-                <a:effectLst/>
-                <a:latin typeface="Times New Roman" panose="02020603050405020304" pitchFamily="18" charset="0"/>
-                <a:ea typeface="標楷體" panose="03000509000000000000" pitchFamily="65" charset="-120"/>
-                <a:cs typeface="Times New Roman" panose="02020603050405020304" pitchFamily="18" charset="0"/>
-              </a:rPr>
-              <a:t> </a:t>
-            </a:r>
-            <a:r>
-              <a:rPr lang="en-US" altLang="zh-TW" sz="3600" dirty="0" err="1">
-                <a:effectLst/>
-                <a:latin typeface="Times New Roman" panose="02020603050405020304" pitchFamily="18" charset="0"/>
-                <a:ea typeface="標楷體" panose="03000509000000000000" pitchFamily="65" charset="-120"/>
-                <a:cs typeface="Times New Roman" panose="02020603050405020304" pitchFamily="18" charset="0"/>
-              </a:rPr>
-              <a:t>EDM-RoBERTa</a:t>
-            </a:r>
-            <a:r>
-              <a:rPr lang="en-US" altLang="zh-TW" sz="3600" dirty="0">
-                <a:latin typeface="Times New Roman" panose="02020603050405020304" pitchFamily="18" charset="0"/>
-                <a:ea typeface="標楷體" panose="03000509000000000000" pitchFamily="65" charset="-120"/>
-                <a:cs typeface="Times New Roman" panose="02020603050405020304" pitchFamily="18" charset="0"/>
-              </a:rPr>
-              <a:t> </a:t>
-            </a:r>
-          </a:p>
-          <a:p>
-            <a:r>
-              <a:rPr lang="en-US" altLang="zh-TW" sz="3600" dirty="0">
-                <a:latin typeface="Times New Roman" panose="02020603050405020304" pitchFamily="18" charset="0"/>
-                <a:ea typeface="標楷體" panose="03000509000000000000" pitchFamily="65" charset="-120"/>
-                <a:cs typeface="Times New Roman" panose="02020603050405020304" pitchFamily="18" charset="0"/>
-              </a:rPr>
-              <a:t>  (Enhance the Dependency Mechanism of </a:t>
-            </a:r>
-            <a:r>
-              <a:rPr lang="en-US" altLang="zh-TW" sz="3600" dirty="0" err="1">
-                <a:effectLst/>
-                <a:latin typeface="Times New Roman" panose="02020603050405020304" pitchFamily="18" charset="0"/>
-                <a:ea typeface="標楷體" panose="03000509000000000000" pitchFamily="65" charset="-120"/>
-                <a:cs typeface="Times New Roman" panose="02020603050405020304" pitchFamily="18" charset="0"/>
-              </a:rPr>
-              <a:t>RoBERTa</a:t>
-            </a:r>
-            <a:r>
-              <a:rPr lang="en-US" altLang="zh-TW" sz="3600" dirty="0">
-                <a:effectLst/>
-                <a:latin typeface="Times New Roman" panose="02020603050405020304" pitchFamily="18" charset="0"/>
-                <a:ea typeface="標楷體" panose="03000509000000000000" pitchFamily="65" charset="-120"/>
-                <a:cs typeface="Times New Roman" panose="02020603050405020304" pitchFamily="18" charset="0"/>
-              </a:rPr>
-              <a:t>)</a:t>
-            </a:r>
-            <a:endParaRPr lang="zh-TW" altLang="en-US" sz="3600" dirty="0">
-              <a:latin typeface="Times New Roman" panose="02020603050405020304" pitchFamily="18" charset="0"/>
-              <a:ea typeface="標楷體" panose="03000509000000000000" pitchFamily="65" charset="-120"/>
-              <a:cs typeface="Times New Roman" panose="02020603050405020304" pitchFamily="18" charset="0"/>
-            </a:endParaRPr>
-          </a:p>
-        </p:txBody>
-      </p:sp>
-      <p:sp>
-        <p:nvSpPr>
-          <p:cNvPr id="21" name="文字方塊 20">
-            <a:extLst>
-              <a:ext uri="{FF2B5EF4-FFF2-40B4-BE49-F238E27FC236}">
-                <a16:creationId xmlns:a16="http://schemas.microsoft.com/office/drawing/2014/main" id="{372E03BF-69C7-4102-9EA3-71AF2022DA14}"/>
-              </a:ext>
-            </a:extLst>
-          </p:cNvPr>
-          <p:cNvSpPr txBox="1"/>
-          <p:nvPr/>
-        </p:nvSpPr>
-        <p:spPr>
-          <a:xfrm>
-            <a:off x="12846498" y="8852763"/>
-            <a:ext cx="6575967" cy="784830"/>
-          </a:xfrm>
-          <a:prstGeom prst="rect">
-            <a:avLst/>
-          </a:prstGeom>
-          <a:noFill/>
-        </p:spPr>
-        <p:txBody>
-          <a:bodyPr wrap="none" rtlCol="0">
-            <a:spAutoFit/>
-          </a:bodyPr>
-          <a:lstStyle/>
-          <a:p>
-            <a:r>
-              <a:rPr lang="en-US" altLang="zh-TW" sz="4500" b="1" dirty="0">
-                <a:latin typeface="Times New Roman" panose="02020603050405020304" pitchFamily="18" charset="0"/>
-                <a:ea typeface="標楷體" panose="03000509000000000000" pitchFamily="65" charset="-120"/>
-                <a:cs typeface="Times New Roman" panose="02020603050405020304" pitchFamily="18" charset="0"/>
-              </a:rPr>
-              <a:t>Flowchart</a:t>
-            </a:r>
-            <a:r>
-              <a:rPr lang="zh-TW" altLang="en-US" sz="4500" b="1" dirty="0">
-                <a:latin typeface="Times New Roman" panose="02020603050405020304" pitchFamily="18" charset="0"/>
-                <a:ea typeface="標楷體" panose="03000509000000000000" pitchFamily="65" charset="-120"/>
-                <a:cs typeface="Times New Roman" panose="02020603050405020304" pitchFamily="18" charset="0"/>
-              </a:rPr>
-              <a:t> </a:t>
-            </a:r>
-            <a:r>
-              <a:rPr lang="en-US" altLang="zh-TW" sz="4500" b="1" dirty="0">
-                <a:latin typeface="Times New Roman" panose="02020603050405020304" pitchFamily="18" charset="0"/>
-                <a:ea typeface="標楷體" panose="03000509000000000000" pitchFamily="65" charset="-120"/>
-                <a:cs typeface="Times New Roman" panose="02020603050405020304" pitchFamily="18" charset="0"/>
-              </a:rPr>
-              <a:t>&amp;</a:t>
-            </a:r>
-            <a:r>
-              <a:rPr lang="zh-TW" altLang="en-US" sz="4500" b="1" dirty="0">
-                <a:latin typeface="Times New Roman" panose="02020603050405020304" pitchFamily="18" charset="0"/>
-                <a:ea typeface="標楷體" panose="03000509000000000000" pitchFamily="65" charset="-120"/>
-                <a:cs typeface="Times New Roman" panose="02020603050405020304" pitchFamily="18" charset="0"/>
-              </a:rPr>
-              <a:t> </a:t>
-            </a:r>
-            <a:r>
-              <a:rPr lang="en-US" altLang="zh-TW" sz="4500" b="1" dirty="0">
-                <a:latin typeface="Times New Roman" panose="02020603050405020304" pitchFamily="18" charset="0"/>
-                <a:ea typeface="標楷體" panose="03000509000000000000" pitchFamily="65" charset="-120"/>
-                <a:cs typeface="Times New Roman" panose="02020603050405020304" pitchFamily="18" charset="0"/>
-              </a:rPr>
-              <a:t>Architecture</a:t>
-            </a:r>
-            <a:endParaRPr lang="zh-TW" altLang="en-US" sz="4500" b="1" dirty="0">
-              <a:latin typeface="Times New Roman" panose="02020603050405020304" pitchFamily="18" charset="0"/>
-              <a:ea typeface="標楷體" panose="03000509000000000000" pitchFamily="65" charset="-120"/>
-              <a:cs typeface="Times New Roman" panose="02020603050405020304" pitchFamily="18" charset="0"/>
-            </a:endParaRPr>
-          </a:p>
-        </p:txBody>
-      </p:sp>
-      <p:sp>
-        <p:nvSpPr>
-          <p:cNvPr id="43" name="文字方塊 42">
-            <a:extLst>
-              <a:ext uri="{FF2B5EF4-FFF2-40B4-BE49-F238E27FC236}">
-                <a16:creationId xmlns:a16="http://schemas.microsoft.com/office/drawing/2014/main" id="{326CC09E-4B78-4839-BBEC-4DFEA202F268}"/>
-              </a:ext>
-            </a:extLst>
-          </p:cNvPr>
-          <p:cNvSpPr txBox="1"/>
-          <p:nvPr/>
-        </p:nvSpPr>
-        <p:spPr>
-          <a:xfrm>
-            <a:off x="14613107" y="19992844"/>
-            <a:ext cx="3166251" cy="784830"/>
-          </a:xfrm>
-          <a:prstGeom prst="rect">
-            <a:avLst/>
-          </a:prstGeom>
-          <a:noFill/>
-        </p:spPr>
-        <p:txBody>
-          <a:bodyPr wrap="none" rtlCol="0">
-            <a:spAutoFit/>
-          </a:bodyPr>
-          <a:lstStyle/>
-          <a:p>
-            <a:r>
-              <a:rPr lang="en-US" altLang="zh-TW" sz="4500" b="1" dirty="0">
-                <a:latin typeface="Times New Roman" panose="02020603050405020304" pitchFamily="18" charset="0"/>
-                <a:ea typeface="標楷體" panose="03000509000000000000" pitchFamily="65" charset="-120"/>
-                <a:cs typeface="Times New Roman" panose="02020603050405020304" pitchFamily="18" charset="0"/>
-              </a:rPr>
-              <a:t>Conclusions</a:t>
-            </a:r>
-            <a:endParaRPr lang="zh-TW" altLang="en-US" sz="4500" b="1" dirty="0">
-              <a:latin typeface="Times New Roman" panose="02020603050405020304" pitchFamily="18" charset="0"/>
-              <a:ea typeface="標楷體" panose="03000509000000000000" pitchFamily="65" charset="-120"/>
-              <a:cs typeface="Times New Roman" panose="02020603050405020304" pitchFamily="18" charset="0"/>
-            </a:endParaRPr>
-          </a:p>
-        </p:txBody>
-      </p:sp>
-      <p:sp>
-        <p:nvSpPr>
-          <p:cNvPr id="44" name="文字方塊 43">
-            <a:extLst>
-              <a:ext uri="{FF2B5EF4-FFF2-40B4-BE49-F238E27FC236}">
-                <a16:creationId xmlns:a16="http://schemas.microsoft.com/office/drawing/2014/main" id="{F2C68C88-43F4-4953-8E0A-B3F182A81B3C}"/>
-              </a:ext>
-            </a:extLst>
-          </p:cNvPr>
-          <p:cNvSpPr txBox="1"/>
-          <p:nvPr/>
-        </p:nvSpPr>
-        <p:spPr>
-          <a:xfrm>
-            <a:off x="11461534" y="20643490"/>
-            <a:ext cx="10297927" cy="8027088"/>
-          </a:xfrm>
-          <a:prstGeom prst="rect">
-            <a:avLst/>
-          </a:prstGeom>
-          <a:noFill/>
-        </p:spPr>
-        <p:txBody>
-          <a:bodyPr wrap="square" rtlCol="0">
-            <a:spAutoFit/>
-          </a:bodyPr>
-          <a:lstStyle/>
-          <a:p>
-            <a:pPr marL="457200" indent="-457200">
-              <a:buFont typeface="Arial" panose="020B0604020202020204" pitchFamily="34" charset="0"/>
-              <a:buChar char="•"/>
-              <a:tabLst>
-                <a:tab pos="581660" algn="l"/>
-                <a:tab pos="1163320" algn="l"/>
-                <a:tab pos="1744980" algn="l"/>
-                <a:tab pos="2326640" algn="l"/>
-                <a:tab pos="2908300" algn="l"/>
-                <a:tab pos="3489960" algn="l"/>
-                <a:tab pos="4071620" algn="l"/>
-                <a:tab pos="4653280" algn="l"/>
-                <a:tab pos="5234940" algn="l"/>
-                <a:tab pos="5816600" algn="l"/>
-                <a:tab pos="6398260" algn="l"/>
-                <a:tab pos="6979920" algn="l"/>
-                <a:tab pos="7561580" algn="l"/>
-                <a:tab pos="8143240" algn="l"/>
-                <a:tab pos="8724900" algn="l"/>
-                <a:tab pos="9306560" algn="l"/>
-              </a:tabLst>
-            </a:pPr>
-            <a:r>
-              <a:rPr lang="zh-TW" altLang="zh-TW" sz="4000" kern="0" dirty="0">
-                <a:solidFill>
-                  <a:srgbClr val="202124"/>
-                </a:solidFill>
-                <a:effectLst/>
-                <a:latin typeface="Times New Roman" panose="02020603050405020304" pitchFamily="18" charset="0"/>
-                <a:ea typeface="inherit"/>
-                <a:cs typeface="Times New Roman" panose="02020603050405020304" pitchFamily="18" charset="0"/>
-              </a:rPr>
-              <a:t>Results shows that our EDM-RoBERTa model </a:t>
-            </a:r>
-            <a:endParaRPr lang="en-US" altLang="zh-TW" sz="4000" kern="0" dirty="0">
-              <a:solidFill>
-                <a:srgbClr val="202124"/>
-              </a:solidFill>
-              <a:effectLst/>
-              <a:latin typeface="Times New Roman" panose="02020603050405020304" pitchFamily="18" charset="0"/>
-              <a:ea typeface="inherit"/>
-              <a:cs typeface="Times New Roman" panose="02020603050405020304" pitchFamily="18" charset="0"/>
-            </a:endParaRPr>
-          </a:p>
-          <a:p>
-            <a:pPr>
-              <a:tabLst>
-                <a:tab pos="581660" algn="l"/>
-                <a:tab pos="1163320" algn="l"/>
-                <a:tab pos="1744980" algn="l"/>
-                <a:tab pos="2326640" algn="l"/>
-                <a:tab pos="2908300" algn="l"/>
-                <a:tab pos="3489960" algn="l"/>
-                <a:tab pos="4071620" algn="l"/>
-                <a:tab pos="4653280" algn="l"/>
-                <a:tab pos="5234940" algn="l"/>
-                <a:tab pos="5816600" algn="l"/>
-                <a:tab pos="6398260" algn="l"/>
-                <a:tab pos="6979920" algn="l"/>
-                <a:tab pos="7561580" algn="l"/>
-                <a:tab pos="8143240" algn="l"/>
-                <a:tab pos="8724900" algn="l"/>
-                <a:tab pos="9306560" algn="l"/>
-              </a:tabLst>
-            </a:pPr>
-            <a:r>
-              <a:rPr lang="en-US" altLang="zh-TW" sz="4000" kern="0" dirty="0">
-                <a:solidFill>
-                  <a:srgbClr val="202124"/>
-                </a:solidFill>
-                <a:effectLst/>
-                <a:latin typeface="Times New Roman" panose="02020603050405020304" pitchFamily="18" charset="0"/>
-                <a:ea typeface="inherit"/>
-                <a:cs typeface="Times New Roman" panose="02020603050405020304" pitchFamily="18" charset="0"/>
-              </a:rPr>
-              <a:t>o</a:t>
-            </a:r>
-            <a:r>
-              <a:rPr lang="zh-TW" altLang="zh-TW" sz="4000" kern="0" dirty="0">
-                <a:solidFill>
-                  <a:srgbClr val="202124"/>
-                </a:solidFill>
-                <a:effectLst/>
-                <a:latin typeface="Times New Roman" panose="02020603050405020304" pitchFamily="18" charset="0"/>
-                <a:ea typeface="inherit"/>
-                <a:cs typeface="Times New Roman" panose="02020603050405020304" pitchFamily="18" charset="0"/>
-              </a:rPr>
-              <a:t>btains</a:t>
-            </a:r>
-            <a:r>
-              <a:rPr lang="zh-TW" altLang="en-US" sz="4000" kern="0" dirty="0">
-                <a:solidFill>
-                  <a:srgbClr val="202124"/>
-                </a:solidFill>
-                <a:latin typeface="Times New Roman" panose="02020603050405020304" pitchFamily="18" charset="0"/>
-                <a:ea typeface="inherit"/>
-                <a:cs typeface="Times New Roman" panose="02020603050405020304" pitchFamily="18" charset="0"/>
-              </a:rPr>
-              <a:t> </a:t>
-            </a:r>
-            <a:r>
-              <a:rPr lang="zh-TW" altLang="zh-TW" sz="4000" kern="0" dirty="0">
-                <a:solidFill>
-                  <a:srgbClr val="202124"/>
-                </a:solidFill>
-                <a:effectLst/>
-                <a:latin typeface="Times New Roman" panose="02020603050405020304" pitchFamily="18" charset="0"/>
-                <a:ea typeface="inherit"/>
-                <a:cs typeface="Times New Roman" panose="02020603050405020304" pitchFamily="18" charset="0"/>
-              </a:rPr>
-              <a:t>more accurate prediction results than the </a:t>
-            </a:r>
-            <a:endParaRPr lang="en-US" altLang="zh-TW" sz="4000" kern="0" dirty="0">
-              <a:solidFill>
-                <a:srgbClr val="202124"/>
-              </a:solidFill>
-              <a:effectLst/>
-              <a:latin typeface="Times New Roman" panose="02020603050405020304" pitchFamily="18" charset="0"/>
-              <a:ea typeface="inherit"/>
-              <a:cs typeface="Times New Roman" panose="02020603050405020304" pitchFamily="18" charset="0"/>
-            </a:endParaRPr>
-          </a:p>
-          <a:p>
-            <a:pPr>
-              <a:tabLst>
-                <a:tab pos="581660" algn="l"/>
-                <a:tab pos="1163320" algn="l"/>
-                <a:tab pos="1744980" algn="l"/>
-                <a:tab pos="2326640" algn="l"/>
-                <a:tab pos="2908300" algn="l"/>
-                <a:tab pos="3489960" algn="l"/>
-                <a:tab pos="4071620" algn="l"/>
-                <a:tab pos="4653280" algn="l"/>
-                <a:tab pos="5234940" algn="l"/>
-                <a:tab pos="5816600" algn="l"/>
-                <a:tab pos="6398260" algn="l"/>
-                <a:tab pos="6979920" algn="l"/>
-                <a:tab pos="7561580" algn="l"/>
-                <a:tab pos="8143240" algn="l"/>
-                <a:tab pos="8724900" algn="l"/>
-                <a:tab pos="9306560" algn="l"/>
-              </a:tabLst>
-            </a:pPr>
-            <a:r>
-              <a:rPr lang="en-US" altLang="zh-TW" sz="4000" kern="0" dirty="0">
-                <a:solidFill>
-                  <a:srgbClr val="202124"/>
-                </a:solidFill>
-                <a:latin typeface="Times New Roman" panose="02020603050405020304" pitchFamily="18" charset="0"/>
-                <a:ea typeface="inherit"/>
-                <a:cs typeface="Times New Roman" panose="02020603050405020304" pitchFamily="18" charset="0"/>
-              </a:rPr>
-              <a:t>o</a:t>
-            </a:r>
-            <a:r>
-              <a:rPr lang="zh-TW" altLang="zh-TW" sz="4000" kern="0" dirty="0">
-                <a:solidFill>
-                  <a:srgbClr val="202124"/>
-                </a:solidFill>
-                <a:effectLst/>
-                <a:latin typeface="Times New Roman" panose="02020603050405020304" pitchFamily="18" charset="0"/>
-                <a:ea typeface="inherit"/>
-                <a:cs typeface="Times New Roman" panose="02020603050405020304" pitchFamily="18" charset="0"/>
-              </a:rPr>
-              <a:t>riginal Transformer model on word meaning </a:t>
-            </a:r>
-            <a:endParaRPr lang="en-US" altLang="zh-TW" sz="4000" kern="0" dirty="0">
-              <a:solidFill>
-                <a:srgbClr val="202124"/>
-              </a:solidFill>
-              <a:effectLst/>
-              <a:latin typeface="Times New Roman" panose="02020603050405020304" pitchFamily="18" charset="0"/>
-              <a:ea typeface="inherit"/>
-              <a:cs typeface="Times New Roman" panose="02020603050405020304" pitchFamily="18" charset="0"/>
-            </a:endParaRPr>
-          </a:p>
-          <a:p>
-            <a:pPr>
-              <a:tabLst>
-                <a:tab pos="581660" algn="l"/>
-                <a:tab pos="1163320" algn="l"/>
-                <a:tab pos="1744980" algn="l"/>
-                <a:tab pos="2326640" algn="l"/>
-                <a:tab pos="2908300" algn="l"/>
-                <a:tab pos="3489960" algn="l"/>
-                <a:tab pos="4071620" algn="l"/>
-                <a:tab pos="4653280" algn="l"/>
-                <a:tab pos="5234940" algn="l"/>
-                <a:tab pos="5816600" algn="l"/>
-                <a:tab pos="6398260" algn="l"/>
-                <a:tab pos="6979920" algn="l"/>
-                <a:tab pos="7561580" algn="l"/>
-                <a:tab pos="8143240" algn="l"/>
-                <a:tab pos="8724900" algn="l"/>
-                <a:tab pos="9306560" algn="l"/>
-              </a:tabLst>
-            </a:pPr>
-            <a:r>
-              <a:rPr lang="zh-TW" altLang="zh-TW" sz="4000" kern="0" dirty="0">
-                <a:solidFill>
-                  <a:srgbClr val="202124"/>
-                </a:solidFill>
-                <a:effectLst/>
-                <a:latin typeface="Times New Roman" panose="02020603050405020304" pitchFamily="18" charset="0"/>
-                <a:ea typeface="inherit"/>
-                <a:cs typeface="Times New Roman" panose="02020603050405020304" pitchFamily="18" charset="0"/>
-              </a:rPr>
-              <a:t>analysis output, improving the disorderly lack in </a:t>
-            </a:r>
-            <a:endParaRPr lang="en-US" altLang="zh-TW" sz="4000" kern="0" dirty="0">
-              <a:solidFill>
-                <a:srgbClr val="202124"/>
-              </a:solidFill>
-              <a:effectLst/>
-              <a:latin typeface="Times New Roman" panose="02020603050405020304" pitchFamily="18" charset="0"/>
-              <a:ea typeface="inherit"/>
-              <a:cs typeface="Times New Roman" panose="02020603050405020304" pitchFamily="18" charset="0"/>
-            </a:endParaRPr>
-          </a:p>
-          <a:p>
-            <a:pPr>
-              <a:tabLst>
-                <a:tab pos="581660" algn="l"/>
-                <a:tab pos="1163320" algn="l"/>
-                <a:tab pos="1744980" algn="l"/>
-                <a:tab pos="2326640" algn="l"/>
-                <a:tab pos="2908300" algn="l"/>
-                <a:tab pos="3489960" algn="l"/>
-                <a:tab pos="4071620" algn="l"/>
-                <a:tab pos="4653280" algn="l"/>
-                <a:tab pos="5234940" algn="l"/>
-                <a:tab pos="5816600" algn="l"/>
-                <a:tab pos="6398260" algn="l"/>
-                <a:tab pos="6979920" algn="l"/>
-                <a:tab pos="7561580" algn="l"/>
-                <a:tab pos="8143240" algn="l"/>
-                <a:tab pos="8724900" algn="l"/>
-                <a:tab pos="9306560" algn="l"/>
-              </a:tabLst>
-            </a:pPr>
-            <a:r>
-              <a:rPr lang="zh-TW" altLang="zh-TW" sz="4000" kern="0" dirty="0">
-                <a:solidFill>
-                  <a:srgbClr val="202124"/>
-                </a:solidFill>
-                <a:effectLst/>
-                <a:latin typeface="Times New Roman" panose="02020603050405020304" pitchFamily="18" charset="0"/>
-                <a:ea typeface="inherit"/>
-                <a:cs typeface="Times New Roman" panose="02020603050405020304" pitchFamily="18" charset="0"/>
-              </a:rPr>
-              <a:t>coding and decoding process.</a:t>
-            </a:r>
-            <a:endParaRPr lang="zh-TW" altLang="zh-TW" sz="4000" kern="100" dirty="0">
-              <a:effectLst/>
-              <a:latin typeface="Times New Roman" panose="02020603050405020304" pitchFamily="18" charset="0"/>
-              <a:ea typeface="新細明體" panose="02020500000000000000" pitchFamily="18" charset="-120"/>
-              <a:cs typeface="Times New Roman" panose="02020603050405020304" pitchFamily="18" charset="0"/>
-            </a:endParaRPr>
-          </a:p>
-          <a:p>
-            <a:pPr marL="571500" indent="-571500">
-              <a:buFont typeface="Arial" panose="020B0604020202020204" pitchFamily="34" charset="0"/>
-              <a:buChar char="•"/>
-              <a:tabLst>
-                <a:tab pos="581660" algn="l"/>
-                <a:tab pos="1163320" algn="l"/>
-                <a:tab pos="1744980" algn="l"/>
-                <a:tab pos="2326640" algn="l"/>
-                <a:tab pos="2908300" algn="l"/>
-                <a:tab pos="3489960" algn="l"/>
-                <a:tab pos="4071620" algn="l"/>
-                <a:tab pos="4653280" algn="l"/>
-                <a:tab pos="5234940" algn="l"/>
-                <a:tab pos="5816600" algn="l"/>
-                <a:tab pos="6398260" algn="l"/>
-                <a:tab pos="6979920" algn="l"/>
-                <a:tab pos="7561580" algn="l"/>
-                <a:tab pos="8143240" algn="l"/>
-                <a:tab pos="8724900" algn="l"/>
-                <a:tab pos="9306560" algn="l"/>
-              </a:tabLst>
-            </a:pPr>
-            <a:r>
-              <a:rPr lang="zh-TW" altLang="zh-TW" sz="4000" kern="0" dirty="0">
-                <a:solidFill>
-                  <a:srgbClr val="202124"/>
-                </a:solidFill>
-                <a:effectLst/>
-                <a:latin typeface="Times New Roman" panose="02020603050405020304" pitchFamily="18" charset="0"/>
-                <a:ea typeface="inherit"/>
-                <a:cs typeface="Times New Roman" panose="02020603050405020304" pitchFamily="18" charset="0"/>
-              </a:rPr>
-              <a:t>EDM-RoBERTa </a:t>
-            </a:r>
-            <a:r>
-              <a:rPr lang="en-US" altLang="zh-TW" sz="4000" kern="0" dirty="0">
-                <a:solidFill>
-                  <a:srgbClr val="202124"/>
-                </a:solidFill>
-                <a:effectLst/>
-                <a:latin typeface="Times New Roman" panose="02020603050405020304" pitchFamily="18" charset="0"/>
-                <a:ea typeface="細明體" panose="02020509000000000000" pitchFamily="49" charset="-120"/>
-                <a:cs typeface="Times New Roman" panose="02020603050405020304" pitchFamily="18" charset="0"/>
-              </a:rPr>
-              <a:t>not only possesses the </a:t>
-            </a:r>
-          </a:p>
-          <a:p>
-            <a:pPr>
-              <a:tabLst>
-                <a:tab pos="581660" algn="l"/>
-                <a:tab pos="1163320" algn="l"/>
-                <a:tab pos="1744980" algn="l"/>
-                <a:tab pos="2326640" algn="l"/>
-                <a:tab pos="2908300" algn="l"/>
-                <a:tab pos="3489960" algn="l"/>
-                <a:tab pos="4071620" algn="l"/>
-                <a:tab pos="4653280" algn="l"/>
-                <a:tab pos="5234940" algn="l"/>
-                <a:tab pos="5816600" algn="l"/>
-                <a:tab pos="6398260" algn="l"/>
-                <a:tab pos="6979920" algn="l"/>
-                <a:tab pos="7561580" algn="l"/>
-                <a:tab pos="8143240" algn="l"/>
-                <a:tab pos="8724900" algn="l"/>
-                <a:tab pos="9306560" algn="l"/>
-              </a:tabLst>
-            </a:pPr>
-            <a:r>
-              <a:rPr lang="en-US" altLang="zh-TW" sz="4000" kern="0" dirty="0">
-                <a:solidFill>
-                  <a:srgbClr val="202124"/>
-                </a:solidFill>
-                <a:effectLst/>
-                <a:latin typeface="Times New Roman" panose="02020603050405020304" pitchFamily="18" charset="0"/>
-                <a:ea typeface="細明體" panose="02020509000000000000" pitchFamily="49" charset="-120"/>
-                <a:cs typeface="Times New Roman" panose="02020603050405020304" pitchFamily="18" charset="0"/>
-              </a:rPr>
-              <a:t>long-term dependence characteristics of the </a:t>
-            </a:r>
-          </a:p>
-          <a:p>
-            <a:pPr>
-              <a:tabLst>
-                <a:tab pos="581660" algn="l"/>
-                <a:tab pos="1163320" algn="l"/>
-                <a:tab pos="1744980" algn="l"/>
-                <a:tab pos="2326640" algn="l"/>
-                <a:tab pos="2908300" algn="l"/>
-                <a:tab pos="3489960" algn="l"/>
-                <a:tab pos="4071620" algn="l"/>
-                <a:tab pos="4653280" algn="l"/>
-                <a:tab pos="5234940" algn="l"/>
-                <a:tab pos="5816600" algn="l"/>
-                <a:tab pos="6398260" algn="l"/>
-                <a:tab pos="6979920" algn="l"/>
-                <a:tab pos="7561580" algn="l"/>
-                <a:tab pos="8143240" algn="l"/>
-                <a:tab pos="8724900" algn="l"/>
-                <a:tab pos="9306560" algn="l"/>
-              </a:tabLst>
-            </a:pPr>
-            <a:r>
-              <a:rPr lang="en-US" altLang="zh-TW" sz="4000" kern="0" dirty="0">
-                <a:solidFill>
-                  <a:srgbClr val="202124"/>
-                </a:solidFill>
-                <a:effectLst/>
-                <a:latin typeface="Times New Roman" panose="02020603050405020304" pitchFamily="18" charset="0"/>
-                <a:ea typeface="細明體" panose="02020509000000000000" pitchFamily="49" charset="-120"/>
-                <a:cs typeface="Times New Roman" panose="02020603050405020304" pitchFamily="18" charset="0"/>
-              </a:rPr>
-              <a:t>original Transformer, but meet the short-term</a:t>
-            </a:r>
-          </a:p>
-          <a:p>
-            <a:pPr>
-              <a:tabLst>
-                <a:tab pos="581660" algn="l"/>
-                <a:tab pos="1163320" algn="l"/>
-                <a:tab pos="1744980" algn="l"/>
-                <a:tab pos="2326640" algn="l"/>
-                <a:tab pos="2908300" algn="l"/>
-                <a:tab pos="3489960" algn="l"/>
-                <a:tab pos="4071620" algn="l"/>
-                <a:tab pos="4653280" algn="l"/>
-                <a:tab pos="5234940" algn="l"/>
-                <a:tab pos="5816600" algn="l"/>
-                <a:tab pos="6398260" algn="l"/>
-                <a:tab pos="6979920" algn="l"/>
-                <a:tab pos="7561580" algn="l"/>
-                <a:tab pos="8143240" algn="l"/>
-                <a:tab pos="8724900" algn="l"/>
-                <a:tab pos="9306560" algn="l"/>
-              </a:tabLst>
-            </a:pPr>
-            <a:r>
-              <a:rPr lang="en-US" altLang="zh-TW" sz="4000" kern="0" dirty="0">
-                <a:solidFill>
-                  <a:srgbClr val="202124"/>
-                </a:solidFill>
-                <a:effectLst/>
-                <a:latin typeface="Times New Roman" panose="02020603050405020304" pitchFamily="18" charset="0"/>
-                <a:ea typeface="細明體" panose="02020509000000000000" pitchFamily="49" charset="-120"/>
-                <a:cs typeface="Times New Roman" panose="02020603050405020304" pitchFamily="18" charset="0"/>
-              </a:rPr>
-              <a:t>dependency requirements. </a:t>
-            </a:r>
-            <a:endParaRPr lang="zh-TW" altLang="zh-TW" sz="4000" kern="100" dirty="0">
-              <a:effectLst/>
-              <a:latin typeface="Times New Roman" panose="02020603050405020304" pitchFamily="18" charset="0"/>
-              <a:ea typeface="新細明體" panose="02020500000000000000" pitchFamily="18" charset="-120"/>
-              <a:cs typeface="Times New Roman" panose="02020603050405020304" pitchFamily="18" charset="0"/>
-            </a:endParaRPr>
-          </a:p>
-          <a:p>
-            <a:pPr marL="571500" indent="-571500">
-              <a:buFont typeface="Arial" panose="020B0604020202020204" pitchFamily="34" charset="0"/>
-              <a:buChar char="•"/>
-              <a:tabLst>
-                <a:tab pos="581660" algn="l"/>
-                <a:tab pos="1163320" algn="l"/>
-                <a:tab pos="1744980" algn="l"/>
-                <a:tab pos="2326640" algn="l"/>
-                <a:tab pos="2908300" algn="l"/>
-                <a:tab pos="3489960" algn="l"/>
-                <a:tab pos="4071620" algn="l"/>
-                <a:tab pos="4653280" algn="l"/>
-                <a:tab pos="5234940" algn="l"/>
-                <a:tab pos="5816600" algn="l"/>
-                <a:tab pos="6398260" algn="l"/>
-                <a:tab pos="6979920" algn="l"/>
-                <a:tab pos="7561580" algn="l"/>
-                <a:tab pos="8143240" algn="l"/>
-                <a:tab pos="8724900" algn="l"/>
-                <a:tab pos="9306560" algn="l"/>
-              </a:tabLst>
-            </a:pPr>
-            <a:r>
-              <a:rPr lang="zh-TW" altLang="zh-TW" sz="4000" kern="0" dirty="0">
-                <a:solidFill>
-                  <a:srgbClr val="202124"/>
-                </a:solidFill>
-                <a:effectLst/>
-                <a:latin typeface="Times New Roman" panose="02020603050405020304" pitchFamily="18" charset="0"/>
-                <a:ea typeface="inherit"/>
-                <a:cs typeface="Times New Roman" panose="02020603050405020304" pitchFamily="18" charset="0"/>
-              </a:rPr>
-              <a:t>The results of this research will be applied to </a:t>
-            </a:r>
-            <a:endParaRPr lang="en-US" altLang="zh-TW" sz="4000" kern="0" dirty="0">
-              <a:solidFill>
-                <a:srgbClr val="202124"/>
-              </a:solidFill>
-              <a:effectLst/>
-              <a:latin typeface="Times New Roman" panose="02020603050405020304" pitchFamily="18" charset="0"/>
-              <a:ea typeface="inherit"/>
-              <a:cs typeface="Times New Roman" panose="02020603050405020304" pitchFamily="18" charset="0"/>
-            </a:endParaRPr>
-          </a:p>
-          <a:p>
-            <a:pPr>
-              <a:tabLst>
-                <a:tab pos="581660" algn="l"/>
-                <a:tab pos="1163320" algn="l"/>
-                <a:tab pos="1744980" algn="l"/>
-                <a:tab pos="2326640" algn="l"/>
-                <a:tab pos="2908300" algn="l"/>
-                <a:tab pos="3489960" algn="l"/>
-                <a:tab pos="4071620" algn="l"/>
-                <a:tab pos="4653280" algn="l"/>
-                <a:tab pos="5234940" algn="l"/>
-                <a:tab pos="5816600" algn="l"/>
-                <a:tab pos="6398260" algn="l"/>
-                <a:tab pos="6979920" algn="l"/>
-                <a:tab pos="7561580" algn="l"/>
-                <a:tab pos="8143240" algn="l"/>
-                <a:tab pos="8724900" algn="l"/>
-                <a:tab pos="9306560" algn="l"/>
-              </a:tabLst>
-            </a:pPr>
-            <a:r>
-              <a:rPr lang="zh-TW" altLang="zh-TW" sz="4000" kern="0" dirty="0">
-                <a:solidFill>
-                  <a:srgbClr val="202124"/>
-                </a:solidFill>
-                <a:effectLst/>
-                <a:latin typeface="Times New Roman" panose="02020603050405020304" pitchFamily="18" charset="0"/>
-                <a:ea typeface="inherit"/>
-                <a:cs typeface="Times New Roman" panose="02020603050405020304" pitchFamily="18" charset="0"/>
-              </a:rPr>
-              <a:t>other natural language sentiment analysis tasks </a:t>
-            </a:r>
-            <a:endParaRPr lang="en-US" altLang="zh-TW" sz="4000" kern="0" dirty="0">
-              <a:solidFill>
-                <a:srgbClr val="202124"/>
-              </a:solidFill>
-              <a:effectLst/>
-              <a:latin typeface="Times New Roman" panose="02020603050405020304" pitchFamily="18" charset="0"/>
-              <a:ea typeface="inherit"/>
-              <a:cs typeface="Times New Roman" panose="02020603050405020304" pitchFamily="18" charset="0"/>
-            </a:endParaRPr>
-          </a:p>
-          <a:p>
-            <a:pPr>
-              <a:tabLst>
-                <a:tab pos="581660" algn="l"/>
-                <a:tab pos="1163320" algn="l"/>
-                <a:tab pos="1744980" algn="l"/>
-                <a:tab pos="2326640" algn="l"/>
-                <a:tab pos="2908300" algn="l"/>
-                <a:tab pos="3489960" algn="l"/>
-                <a:tab pos="4071620" algn="l"/>
-                <a:tab pos="4653280" algn="l"/>
-                <a:tab pos="5234940" algn="l"/>
-                <a:tab pos="5816600" algn="l"/>
-                <a:tab pos="6398260" algn="l"/>
-                <a:tab pos="6979920" algn="l"/>
-                <a:tab pos="7561580" algn="l"/>
-                <a:tab pos="8143240" algn="l"/>
-                <a:tab pos="8724900" algn="l"/>
-                <a:tab pos="9306560" algn="l"/>
-              </a:tabLst>
-            </a:pPr>
-            <a:r>
-              <a:rPr lang="zh-TW" altLang="zh-TW" sz="4000" kern="0" dirty="0">
-                <a:solidFill>
-                  <a:srgbClr val="202124"/>
-                </a:solidFill>
-                <a:effectLst/>
-                <a:latin typeface="Times New Roman" panose="02020603050405020304" pitchFamily="18" charset="0"/>
-                <a:ea typeface="inherit"/>
-                <a:cs typeface="Times New Roman" panose="02020603050405020304" pitchFamily="18" charset="0"/>
-              </a:rPr>
-              <a:t>such as sentiment analysis and social network </a:t>
-            </a:r>
-            <a:endParaRPr lang="en-US" altLang="zh-TW" sz="4000" kern="0" dirty="0">
-              <a:solidFill>
-                <a:srgbClr val="202124"/>
-              </a:solidFill>
-              <a:effectLst/>
-              <a:latin typeface="Times New Roman" panose="02020603050405020304" pitchFamily="18" charset="0"/>
-              <a:ea typeface="inherit"/>
-              <a:cs typeface="Times New Roman" panose="02020603050405020304" pitchFamily="18" charset="0"/>
-            </a:endParaRPr>
-          </a:p>
-          <a:p>
-            <a:pPr>
-              <a:tabLst>
-                <a:tab pos="581660" algn="l"/>
-                <a:tab pos="1163320" algn="l"/>
-                <a:tab pos="1744980" algn="l"/>
-                <a:tab pos="2326640" algn="l"/>
-                <a:tab pos="2908300" algn="l"/>
-                <a:tab pos="3489960" algn="l"/>
-                <a:tab pos="4071620" algn="l"/>
-                <a:tab pos="4653280" algn="l"/>
-                <a:tab pos="5234940" algn="l"/>
-                <a:tab pos="5816600" algn="l"/>
-                <a:tab pos="6398260" algn="l"/>
-                <a:tab pos="6979920" algn="l"/>
-                <a:tab pos="7561580" algn="l"/>
-                <a:tab pos="8143240" algn="l"/>
-                <a:tab pos="8724900" algn="l"/>
-                <a:tab pos="9306560" algn="l"/>
-              </a:tabLst>
-            </a:pPr>
-            <a:r>
-              <a:rPr lang="zh-TW" altLang="zh-TW" sz="4000" kern="0" dirty="0">
-                <a:solidFill>
-                  <a:srgbClr val="202124"/>
-                </a:solidFill>
-                <a:effectLst/>
-                <a:latin typeface="Times New Roman" panose="02020603050405020304" pitchFamily="18" charset="0"/>
-                <a:ea typeface="inherit"/>
-                <a:cs typeface="Times New Roman" panose="02020603050405020304" pitchFamily="18" charset="0"/>
-              </a:rPr>
-              <a:t>analysis.</a:t>
-            </a:r>
-            <a:endParaRPr lang="zh-TW" altLang="zh-TW" sz="4000" kern="100" dirty="0">
-              <a:effectLst/>
-              <a:latin typeface="Times New Roman" panose="02020603050405020304" pitchFamily="18" charset="0"/>
-              <a:ea typeface="新細明體" panose="02020500000000000000" pitchFamily="18" charset="-120"/>
-              <a:cs typeface="Times New Roman" panose="02020603050405020304" pitchFamily="18" charset="0"/>
-            </a:endParaRPr>
-          </a:p>
-        </p:txBody>
-      </p:sp>
-      <p:sp>
-        <p:nvSpPr>
-          <p:cNvPr id="35" name="Rectangle 3">
-            <a:extLst>
-              <a:ext uri="{FF2B5EF4-FFF2-40B4-BE49-F238E27FC236}">
-                <a16:creationId xmlns:a16="http://schemas.microsoft.com/office/drawing/2014/main" id="{AB836225-6CB4-4012-8968-9CCB9CF2BAC2}"/>
-              </a:ext>
-            </a:extLst>
-          </p:cNvPr>
-          <p:cNvSpPr>
-            <a:spLocks noChangeArrowheads="1"/>
-          </p:cNvSpPr>
-          <p:nvPr/>
-        </p:nvSpPr>
-        <p:spPr bwMode="auto">
-          <a:xfrm>
-            <a:off x="134261" y="12367323"/>
-            <a:ext cx="11303062" cy="4812250"/>
-          </a:xfrm>
-          <a:prstGeom prst="rect">
-            <a:avLst/>
-          </a:prstGeom>
-          <a:solidFill>
-            <a:schemeClr val="accent2">
-              <a:lumMod val="20000"/>
-              <a:lumOff val="80000"/>
-            </a:schemeClr>
-          </a:solidFill>
-          <a:ln>
-            <a:noFill/>
-          </a:ln>
-          <a:effectLst/>
-        </p:spPr>
-        <p:txBody>
-          <a:bodyPr vert="horz" wrap="square" lIns="0" tIns="-55545" rIns="0" bIns="-55545" numCol="1" anchor="ctr" anchorCtr="0" compatLnSpc="1">
-            <a:prstTxWarp prst="textNoShape">
-              <a:avLst/>
-            </a:prstTxWarp>
-            <a:spAutoFit/>
-          </a:bodyPr>
-          <a:lstStyle/>
-          <a:p>
-            <a:pPr marR="0" lvl="0" algn="l" defTabSz="914400" rtl="0" eaLnBrk="0" fontAlgn="base" latinLnBrk="0" hangingPunct="0">
-              <a:lnSpc>
-                <a:spcPct val="100000"/>
-              </a:lnSpc>
-              <a:spcBef>
-                <a:spcPct val="0"/>
-              </a:spcBef>
-              <a:spcAft>
-                <a:spcPct val="0"/>
-              </a:spcAft>
-              <a:buClrTx/>
-              <a:buSzTx/>
-              <a:tabLst/>
-            </a:pPr>
-            <a:r>
-              <a:rPr kumimoji="0" lang="en-US" altLang="zh-TW" sz="4000" b="0" i="0" u="none" strike="noStrike" cap="none" normalizeH="0" baseline="0" dirty="0">
-                <a:ln>
-                  <a:noFill/>
-                </a:ln>
-                <a:solidFill>
-                  <a:srgbClr val="202124"/>
-                </a:solidFill>
-                <a:effectLst/>
-                <a:latin typeface="Times New Roman" panose="02020603050405020304" pitchFamily="18" charset="0"/>
-                <a:ea typeface="inherit"/>
-                <a:cs typeface="Times New Roman" panose="02020603050405020304" pitchFamily="18" charset="0"/>
-              </a:rPr>
-              <a:t>	</a:t>
-            </a:r>
-            <a:r>
-              <a:rPr kumimoji="0" lang="zh-TW" altLang="zh-TW" sz="4000" b="0" i="0" u="none" strike="noStrike" cap="none" normalizeH="0" baseline="0" dirty="0">
-                <a:ln>
-                  <a:noFill/>
-                </a:ln>
-                <a:solidFill>
-                  <a:srgbClr val="202124"/>
-                </a:solidFill>
-                <a:effectLst/>
-                <a:latin typeface="Times New Roman" panose="02020603050405020304" pitchFamily="18" charset="0"/>
-                <a:ea typeface="inherit"/>
-                <a:cs typeface="Times New Roman" panose="02020603050405020304" pitchFamily="18" charset="0"/>
-              </a:rPr>
-              <a:t>The research source </a:t>
-            </a:r>
-            <a:r>
-              <a:rPr lang="en-US" altLang="zh-TW" sz="4000" dirty="0">
-                <a:solidFill>
-                  <a:srgbClr val="202124"/>
-                </a:solidFill>
-                <a:latin typeface="Times New Roman" panose="02020603050405020304" pitchFamily="18" charset="0"/>
-                <a:ea typeface="inherit"/>
-                <a:cs typeface="Times New Roman" panose="02020603050405020304" pitchFamily="18" charset="0"/>
-              </a:rPr>
-              <a:t>are</a:t>
-            </a:r>
-            <a:r>
-              <a:rPr kumimoji="0" lang="zh-TW" altLang="zh-TW" sz="4000" b="0" i="0" u="none" strike="noStrike" cap="none" normalizeH="0" baseline="0" dirty="0">
-                <a:ln>
-                  <a:noFill/>
-                </a:ln>
-                <a:solidFill>
-                  <a:srgbClr val="202124"/>
-                </a:solidFill>
-                <a:effectLst/>
-                <a:latin typeface="Times New Roman" panose="02020603050405020304" pitchFamily="18" charset="0"/>
-                <a:ea typeface="inherit"/>
-                <a:cs typeface="Times New Roman" panose="02020603050405020304" pitchFamily="18" charset="0"/>
-              </a:rPr>
-              <a:t> Transformer-based </a:t>
-            </a:r>
-            <a:r>
-              <a:rPr kumimoji="0" lang="en-US" altLang="zh-TW" sz="4000" b="0" i="0" u="none" strike="noStrike" cap="none" normalizeH="0" baseline="0" dirty="0">
-                <a:ln>
-                  <a:noFill/>
-                </a:ln>
-                <a:solidFill>
-                  <a:srgbClr val="202124"/>
-                </a:solidFill>
-                <a:effectLst/>
-                <a:latin typeface="Times New Roman" panose="02020603050405020304" pitchFamily="18" charset="0"/>
-                <a:ea typeface="inherit"/>
-                <a:cs typeface="Times New Roman" panose="02020603050405020304" pitchFamily="18" charset="0"/>
-              </a:rPr>
-              <a:t>models</a:t>
-            </a:r>
-          </a:p>
-          <a:p>
-            <a:pPr marR="0" lvl="0" algn="l" defTabSz="914400" rtl="0" eaLnBrk="0" fontAlgn="base" latinLnBrk="0" hangingPunct="0">
-              <a:lnSpc>
-                <a:spcPct val="100000"/>
-              </a:lnSpc>
-              <a:spcBef>
-                <a:spcPct val="0"/>
-              </a:spcBef>
-              <a:spcAft>
-                <a:spcPct val="0"/>
-              </a:spcAft>
-              <a:buClrTx/>
-              <a:buSzTx/>
-              <a:tabLst/>
-            </a:pPr>
-            <a:r>
-              <a:rPr kumimoji="0" lang="zh-TW" altLang="zh-TW" sz="4000" b="0" i="0" u="none" strike="noStrike" cap="none" normalizeH="0" baseline="0" dirty="0">
-                <a:ln>
-                  <a:noFill/>
-                </a:ln>
-                <a:solidFill>
-                  <a:srgbClr val="202124"/>
-                </a:solidFill>
-                <a:effectLst/>
-                <a:latin typeface="Times New Roman" panose="02020603050405020304" pitchFamily="18" charset="0"/>
-                <a:ea typeface="inherit"/>
-                <a:cs typeface="Times New Roman" panose="02020603050405020304" pitchFamily="18" charset="0"/>
-              </a:rPr>
-              <a:t>(BERT, RoBERTa, XLNet, DistilBERT), SHA-RNN </a:t>
-            </a:r>
-            <a:r>
-              <a:rPr lang="en-US" altLang="zh-TW" sz="4000" dirty="0">
-                <a:solidFill>
-                  <a:srgbClr val="202124"/>
-                </a:solidFill>
-                <a:latin typeface="Times New Roman" panose="02020603050405020304" pitchFamily="18" charset="0"/>
-                <a:ea typeface="inherit"/>
-                <a:cs typeface="Times New Roman" panose="02020603050405020304" pitchFamily="18" charset="0"/>
-              </a:rPr>
-              <a:t>,</a:t>
-            </a:r>
-            <a:br>
-              <a:rPr lang="en-US" altLang="zh-TW" sz="4000" dirty="0">
-                <a:solidFill>
-                  <a:srgbClr val="202124"/>
-                </a:solidFill>
-                <a:latin typeface="Times New Roman" panose="02020603050405020304" pitchFamily="18" charset="0"/>
-                <a:ea typeface="inherit"/>
-                <a:cs typeface="Times New Roman" panose="02020603050405020304" pitchFamily="18" charset="0"/>
-              </a:rPr>
-            </a:br>
-            <a:r>
-              <a:rPr kumimoji="0" lang="zh-TW" altLang="zh-TW" sz="4000" b="0" i="0" u="none" strike="noStrike" cap="none" normalizeH="0" baseline="0" dirty="0">
-                <a:ln>
-                  <a:noFill/>
-                </a:ln>
-                <a:solidFill>
-                  <a:srgbClr val="202124"/>
-                </a:solidFill>
-                <a:effectLst/>
-                <a:latin typeface="Times New Roman" panose="02020603050405020304" pitchFamily="18" charset="0"/>
-                <a:ea typeface="inherit"/>
-                <a:cs typeface="Times New Roman" panose="02020603050405020304" pitchFamily="18" charset="0"/>
-              </a:rPr>
-              <a:t>and the self-attention mechanism in Transformer as the</a:t>
-            </a:r>
-            <a:br>
-              <a:rPr kumimoji="0" lang="en-US" altLang="zh-TW" sz="4000" b="0" i="0" u="none" strike="noStrike" cap="none" normalizeH="0" baseline="0" dirty="0">
-                <a:ln>
-                  <a:noFill/>
-                </a:ln>
-                <a:solidFill>
-                  <a:srgbClr val="202124"/>
-                </a:solidFill>
-                <a:effectLst/>
-                <a:latin typeface="Times New Roman" panose="02020603050405020304" pitchFamily="18" charset="0"/>
-                <a:ea typeface="inherit"/>
-                <a:cs typeface="Times New Roman" panose="02020603050405020304" pitchFamily="18" charset="0"/>
-              </a:rPr>
-            </a:br>
-            <a:r>
-              <a:rPr kumimoji="0" lang="zh-TW" altLang="zh-TW" sz="4000" b="0" i="0" u="none" strike="noStrike" cap="none" normalizeH="0" baseline="0" dirty="0">
-                <a:ln>
-                  <a:noFill/>
-                </a:ln>
-                <a:solidFill>
-                  <a:srgbClr val="202124"/>
-                </a:solidFill>
-                <a:effectLst/>
-                <a:latin typeface="Times New Roman" panose="02020603050405020304" pitchFamily="18" charset="0"/>
-                <a:ea typeface="inherit"/>
-                <a:cs typeface="Times New Roman" panose="02020603050405020304" pitchFamily="18" charset="0"/>
-              </a:rPr>
-              <a:t>main axis</a:t>
-            </a:r>
-            <a:r>
-              <a:rPr kumimoji="0" lang="en-US" altLang="zh-TW" sz="4000" b="0" i="0" u="none" strike="noStrike" cap="none" normalizeH="0" baseline="0" dirty="0">
-                <a:ln>
-                  <a:noFill/>
-                </a:ln>
-                <a:solidFill>
-                  <a:srgbClr val="202124"/>
-                </a:solidFill>
-                <a:effectLst/>
-                <a:latin typeface="Times New Roman" panose="02020603050405020304" pitchFamily="18" charset="0"/>
-                <a:ea typeface="inherit"/>
-                <a:cs typeface="Times New Roman" panose="02020603050405020304" pitchFamily="18" charset="0"/>
-              </a:rPr>
-              <a:t>.</a:t>
-            </a:r>
-            <a:r>
-              <a:rPr kumimoji="0" lang="zh-TW" altLang="zh-TW" sz="4000" b="0" i="0" u="none" strike="noStrike" cap="none" normalizeH="0" baseline="0" dirty="0">
-                <a:ln>
-                  <a:noFill/>
-                </a:ln>
-                <a:solidFill>
-                  <a:srgbClr val="202124"/>
-                </a:solidFill>
-                <a:effectLst/>
-                <a:latin typeface="Times New Roman" panose="02020603050405020304" pitchFamily="18" charset="0"/>
-                <a:ea typeface="inherit"/>
-                <a:cs typeface="Times New Roman" panose="02020603050405020304" pitchFamily="18" charset="0"/>
-              </a:rPr>
-              <a:t> </a:t>
-            </a:r>
-            <a:r>
-              <a:rPr lang="en-US" altLang="zh-TW" sz="4000" dirty="0">
-                <a:solidFill>
-                  <a:srgbClr val="202124"/>
-                </a:solidFill>
-                <a:latin typeface="Times New Roman" panose="02020603050405020304" pitchFamily="18" charset="0"/>
-                <a:ea typeface="inherit"/>
-                <a:cs typeface="Times New Roman" panose="02020603050405020304" pitchFamily="18" charset="0"/>
-              </a:rPr>
-              <a:t>T</a:t>
-            </a:r>
-            <a:r>
-              <a:rPr kumimoji="0" lang="zh-TW" altLang="zh-TW" sz="4000" b="0" i="0" u="none" strike="noStrike" cap="none" normalizeH="0" baseline="0" dirty="0">
-                <a:ln>
-                  <a:noFill/>
-                </a:ln>
-                <a:solidFill>
-                  <a:srgbClr val="202124"/>
-                </a:solidFill>
-                <a:effectLst/>
-                <a:latin typeface="Times New Roman" panose="02020603050405020304" pitchFamily="18" charset="0"/>
-                <a:ea typeface="inherit"/>
-                <a:cs typeface="Times New Roman" panose="02020603050405020304" pitchFamily="18" charset="0"/>
-              </a:rPr>
-              <a:t>he Boom Layer of SHA-RNN is </a:t>
-            </a:r>
-            <a:endParaRPr kumimoji="0" lang="en-US" altLang="zh-TW" sz="4000" b="0" i="0" u="none" strike="noStrike" cap="none" normalizeH="0" baseline="0" dirty="0">
-              <a:ln>
-                <a:noFill/>
-              </a:ln>
-              <a:solidFill>
-                <a:srgbClr val="202124"/>
-              </a:solidFill>
-              <a:effectLst/>
-              <a:latin typeface="Times New Roman" panose="02020603050405020304" pitchFamily="18" charset="0"/>
-              <a:ea typeface="inherit"/>
-              <a:cs typeface="Times New Roman" panose="02020603050405020304" pitchFamily="18" charset="0"/>
-            </a:endParaRPr>
-          </a:p>
-          <a:p>
-            <a:pPr marR="0" lvl="0" algn="l" defTabSz="914400" rtl="0" eaLnBrk="0" fontAlgn="base" latinLnBrk="0" hangingPunct="0">
-              <a:lnSpc>
-                <a:spcPct val="100000"/>
-              </a:lnSpc>
-              <a:spcBef>
-                <a:spcPct val="0"/>
-              </a:spcBef>
-              <a:spcAft>
-                <a:spcPct val="0"/>
-              </a:spcAft>
-              <a:buClrTx/>
-              <a:buSzTx/>
-              <a:tabLst/>
-            </a:pPr>
-            <a:r>
-              <a:rPr kumimoji="0" lang="zh-TW" altLang="zh-TW" sz="4000" b="0" i="0" u="none" strike="noStrike" cap="none" normalizeH="0" baseline="0" dirty="0">
-                <a:ln>
-                  <a:noFill/>
-                </a:ln>
-                <a:solidFill>
-                  <a:srgbClr val="202124"/>
-                </a:solidFill>
-                <a:effectLst/>
-                <a:latin typeface="Times New Roman" panose="02020603050405020304" pitchFamily="18" charset="0"/>
-                <a:ea typeface="inherit"/>
-                <a:cs typeface="Times New Roman" panose="02020603050405020304" pitchFamily="18" charset="0"/>
-              </a:rPr>
-              <a:t>transformed to realize the attention mechanism for high-dimensional vectors </a:t>
-            </a:r>
-            <a:r>
-              <a:rPr lang="en-US" altLang="zh-TW" sz="4000" dirty="0">
-                <a:solidFill>
-                  <a:srgbClr val="202124"/>
-                </a:solidFill>
-                <a:latin typeface="Times New Roman" panose="02020603050405020304" pitchFamily="18" charset="0"/>
-                <a:ea typeface="inherit"/>
-                <a:cs typeface="Times New Roman" panose="02020603050405020304" pitchFamily="18" charset="0"/>
-              </a:rPr>
-              <a:t>c</a:t>
-            </a:r>
-            <a:r>
-              <a:rPr kumimoji="0" lang="zh-TW" altLang="zh-TW" sz="4000" b="0" i="0" u="none" strike="noStrike" cap="none" normalizeH="0" baseline="0" dirty="0">
-                <a:ln>
-                  <a:noFill/>
-                </a:ln>
-                <a:solidFill>
-                  <a:srgbClr val="202124"/>
-                </a:solidFill>
-                <a:effectLst/>
-                <a:latin typeface="Times New Roman" panose="02020603050405020304" pitchFamily="18" charset="0"/>
-                <a:ea typeface="inherit"/>
-                <a:cs typeface="Times New Roman" panose="02020603050405020304" pitchFamily="18" charset="0"/>
-              </a:rPr>
-              <a:t>onvert</a:t>
-            </a:r>
-            <a:r>
-              <a:rPr kumimoji="0" lang="en-US" altLang="zh-TW" sz="4000" b="0" i="0" u="none" strike="noStrike" cap="none" normalizeH="0" baseline="0" dirty="0">
-                <a:ln>
-                  <a:noFill/>
-                </a:ln>
-                <a:solidFill>
-                  <a:srgbClr val="202124"/>
-                </a:solidFill>
-                <a:effectLst/>
-                <a:latin typeface="Times New Roman" panose="02020603050405020304" pitchFamily="18" charset="0"/>
-                <a:ea typeface="inherit"/>
-                <a:cs typeface="Times New Roman" panose="02020603050405020304" pitchFamily="18" charset="0"/>
-              </a:rPr>
-              <a:t>ion</a:t>
-            </a:r>
-            <a:r>
-              <a:rPr kumimoji="0" lang="zh-TW" altLang="zh-TW" sz="4000" b="0" i="0" u="none" strike="noStrike" cap="none" normalizeH="0" baseline="0" dirty="0">
-                <a:ln>
-                  <a:noFill/>
-                </a:ln>
-                <a:solidFill>
-                  <a:srgbClr val="202124"/>
-                </a:solidFill>
-                <a:effectLst/>
-                <a:latin typeface="Times New Roman" panose="02020603050405020304" pitchFamily="18" charset="0"/>
-                <a:ea typeface="inherit"/>
-                <a:cs typeface="Times New Roman" panose="02020603050405020304" pitchFamily="18" charset="0"/>
-              </a:rPr>
-              <a:t>, improv</a:t>
-            </a:r>
-            <a:r>
-              <a:rPr lang="en-US" altLang="zh-TW" sz="4000" dirty="0">
-                <a:solidFill>
-                  <a:srgbClr val="202124"/>
-                </a:solidFill>
-                <a:latin typeface="Times New Roman" panose="02020603050405020304" pitchFamily="18" charset="0"/>
-                <a:ea typeface="inherit"/>
-                <a:cs typeface="Times New Roman" panose="02020603050405020304" pitchFamily="18" charset="0"/>
-              </a:rPr>
-              <a:t>e</a:t>
-            </a:r>
-            <a:r>
-              <a:rPr kumimoji="0" lang="zh-TW" altLang="zh-TW" sz="4000" b="0" i="0" u="none" strike="noStrike" cap="none" normalizeH="0" baseline="0" dirty="0">
-                <a:ln>
-                  <a:noFill/>
-                </a:ln>
-                <a:solidFill>
-                  <a:srgbClr val="202124"/>
-                </a:solidFill>
-                <a:effectLst/>
-                <a:latin typeface="Times New Roman" panose="02020603050405020304" pitchFamily="18" charset="0"/>
-                <a:ea typeface="inherit"/>
-                <a:cs typeface="Times New Roman" panose="02020603050405020304" pitchFamily="18" charset="0"/>
-              </a:rPr>
-              <a:t> the original multi-head </a:t>
-            </a:r>
-            <a:r>
-              <a:rPr lang="en-US" altLang="zh-TW" sz="4000" dirty="0">
-                <a:solidFill>
-                  <a:srgbClr val="202124"/>
-                </a:solidFill>
-                <a:latin typeface="Times New Roman" panose="02020603050405020304" pitchFamily="18" charset="0"/>
-                <a:ea typeface="inherit"/>
-                <a:cs typeface="Times New Roman" panose="02020603050405020304" pitchFamily="18" charset="0"/>
-              </a:rPr>
-              <a:t>a</a:t>
-            </a:r>
-            <a:r>
-              <a:rPr kumimoji="0" lang="zh-TW" altLang="zh-TW" sz="4000" b="0" i="0" u="none" strike="noStrike" cap="none" normalizeH="0" baseline="0" dirty="0">
-                <a:ln>
-                  <a:noFill/>
-                </a:ln>
-                <a:solidFill>
-                  <a:srgbClr val="202124"/>
-                </a:solidFill>
-                <a:effectLst/>
-                <a:latin typeface="Times New Roman" panose="02020603050405020304" pitchFamily="18" charset="0"/>
-                <a:ea typeface="inherit"/>
-                <a:cs typeface="Times New Roman" panose="02020603050405020304" pitchFamily="18" charset="0"/>
-              </a:rPr>
-              <a:t>ttention</a:t>
-            </a:r>
-            <a:r>
-              <a:rPr lang="en-US" altLang="zh-TW" sz="4000" dirty="0">
-                <a:solidFill>
-                  <a:srgbClr val="202124"/>
-                </a:solidFill>
-                <a:latin typeface="Times New Roman" panose="02020603050405020304" pitchFamily="18" charset="0"/>
-                <a:ea typeface="inherit"/>
-                <a:cs typeface="Times New Roman" panose="02020603050405020304" pitchFamily="18" charset="0"/>
-              </a:rPr>
-              <a:t> </a:t>
-            </a:r>
-            <a:r>
-              <a:rPr kumimoji="0" lang="zh-TW" altLang="zh-TW" sz="4000" b="0" i="0" u="none" strike="noStrike" cap="none" normalizeH="0" baseline="0" dirty="0">
-                <a:ln>
-                  <a:noFill/>
-                </a:ln>
-                <a:solidFill>
-                  <a:srgbClr val="202124"/>
-                </a:solidFill>
-                <a:effectLst/>
-                <a:latin typeface="Times New Roman" panose="02020603050405020304" pitchFamily="18" charset="0"/>
-                <a:ea typeface="inherit"/>
-                <a:cs typeface="Times New Roman" panose="02020603050405020304" pitchFamily="18" charset="0"/>
-              </a:rPr>
-              <a:t>mechanism in the encoder</a:t>
-            </a:r>
-            <a:r>
-              <a:rPr kumimoji="0" lang="en-US" altLang="zh-TW" sz="4000" b="0" i="0" u="none" strike="noStrike" cap="none" normalizeH="0" baseline="0" dirty="0">
-                <a:ln>
-                  <a:noFill/>
-                </a:ln>
-                <a:solidFill>
-                  <a:srgbClr val="202124"/>
-                </a:solidFill>
-                <a:effectLst/>
-                <a:latin typeface="Times New Roman" panose="02020603050405020304" pitchFamily="18" charset="0"/>
-                <a:ea typeface="inherit"/>
-                <a:cs typeface="Times New Roman" panose="02020603050405020304" pitchFamily="18" charset="0"/>
-              </a:rPr>
-              <a:t> of Transformer</a:t>
-            </a:r>
-            <a:r>
-              <a:rPr kumimoji="0" lang="zh-TW" altLang="zh-TW" sz="4000" b="0" i="0" u="none" strike="noStrike" cap="none" normalizeH="0" baseline="0" dirty="0">
-                <a:ln>
-                  <a:noFill/>
-                </a:ln>
-                <a:solidFill>
-                  <a:srgbClr val="202124"/>
-                </a:solidFill>
-                <a:effectLst/>
-                <a:latin typeface="Times New Roman" panose="02020603050405020304" pitchFamily="18" charset="0"/>
-                <a:ea typeface="inherit"/>
-                <a:cs typeface="Times New Roman" panose="02020603050405020304" pitchFamily="18" charset="0"/>
-              </a:rPr>
-              <a:t>.</a:t>
-            </a:r>
-            <a:r>
-              <a:rPr kumimoji="0" lang="zh-TW" altLang="zh-TW" sz="4000" b="0" i="0" u="none" strike="noStrike" cap="none" normalizeH="0" baseline="0" dirty="0">
-                <a:ln>
-                  <a:noFill/>
-                </a:ln>
-                <a:solidFill>
-                  <a:schemeClr val="tx1"/>
-                </a:solidFill>
-                <a:effectLst/>
-                <a:latin typeface="Times New Roman" panose="02020603050405020304" pitchFamily="18" charset="0"/>
-                <a:cs typeface="Times New Roman" panose="02020603050405020304" pitchFamily="18" charset="0"/>
-              </a:rPr>
-              <a:t> </a:t>
-            </a:r>
-          </a:p>
-        </p:txBody>
-      </p:sp>
-      <p:pic>
-        <p:nvPicPr>
-          <p:cNvPr id="37" name="圖片 36">
-            <a:extLst>
-              <a:ext uri="{FF2B5EF4-FFF2-40B4-BE49-F238E27FC236}">
-                <a16:creationId xmlns:a16="http://schemas.microsoft.com/office/drawing/2014/main" id="{F798ED8F-8C9F-4417-ADDE-D9D10A6DEB0D}"/>
-              </a:ext>
-            </a:extLst>
-          </p:cNvPr>
-          <p:cNvPicPr>
-            <a:picLocks noChangeAspect="1"/>
-          </p:cNvPicPr>
-          <p:nvPr/>
-        </p:nvPicPr>
-        <p:blipFill>
-          <a:blip r:embed="rId3">
-            <a:extLst>
-              <a:ext uri="{28A0092B-C50C-407E-A947-70E740481C1C}">
-                <a14:useLocalDpi xmlns:a14="http://schemas.microsoft.com/office/drawing/2010/main" val="0"/>
-              </a:ext>
-            </a:extLst>
-          </a:blip>
-          <a:stretch>
-            <a:fillRect/>
-          </a:stretch>
-        </p:blipFill>
-        <p:spPr>
-          <a:xfrm>
-            <a:off x="16194638" y="9637593"/>
+            <a:off x="16256805" y="9847798"/>
             <a:ext cx="3923078" cy="10544692"/>
           </a:xfrm>
           <a:prstGeom prst="rect">
@@ -5568,7 +5532,7 @@
           <p:nvPr/>
         </p:nvPicPr>
         <p:blipFill>
-          <a:blip r:embed="rId4">
+          <a:blip r:embed="rId3">
             <a:extLst>
               <a:ext uri="{28A0092B-C50C-407E-A947-70E740481C1C}">
                 <a14:useLocalDpi xmlns:a14="http://schemas.microsoft.com/office/drawing/2010/main" val="0"/>
@@ -5604,14 +5568,14 @@
           <p:nvPr/>
         </p:nvPicPr>
         <p:blipFill>
-          <a:blip r:embed="rId5"/>
+          <a:blip r:embed="rId4"/>
           <a:stretch>
             <a:fillRect/>
           </a:stretch>
         </p:blipFill>
         <p:spPr>
           <a:xfrm>
-            <a:off x="-35790" y="24682851"/>
+            <a:off x="26537" y="24393112"/>
             <a:ext cx="11434997" cy="3407722"/>
           </a:xfrm>
           <a:prstGeom prst="rect">
@@ -5634,14 +5598,14 @@
           <p:nvPr/>
         </p:nvPicPr>
         <p:blipFill>
-          <a:blip r:embed="rId6"/>
+          <a:blip r:embed="rId5"/>
           <a:stretch>
             <a:fillRect/>
           </a:stretch>
         </p:blipFill>
         <p:spPr>
           <a:xfrm>
-            <a:off x="-21762" y="19198587"/>
+            <a:off x="74955" y="19191809"/>
             <a:ext cx="11332045" cy="3407722"/>
           </a:xfrm>
           <a:prstGeom prst="rect">
@@ -5664,15 +5628,51 @@
           <p:nvPr/>
         </p:nvPicPr>
         <p:blipFill>
-          <a:blip r:embed="rId7"/>
+          <a:blip r:embed="rId6"/>
           <a:stretch>
             <a:fillRect/>
           </a:stretch>
         </p:blipFill>
         <p:spPr>
           <a:xfrm>
-            <a:off x="11066922" y="6110083"/>
+            <a:off x="11178574" y="6160329"/>
             <a:ext cx="10863845" cy="2563190"/>
+          </a:xfrm>
+          <a:prstGeom prst="rect">
+            <a:avLst/>
+          </a:prstGeom>
+        </p:spPr>
+      </p:pic>
+      <p:pic>
+        <p:nvPicPr>
+          <p:cNvPr id="9" name="圖片 8">
+            <a:extLst>
+              <a:ext uri="{FF2B5EF4-FFF2-40B4-BE49-F238E27FC236}">
+                <a16:creationId xmlns:a16="http://schemas.microsoft.com/office/drawing/2014/main" id="{540FC56F-A197-46E0-85BE-D21C982AE1A3}"/>
+              </a:ext>
+            </a:extLst>
+          </p:cNvPr>
+          <p:cNvPicPr>
+            <a:picLocks noChangeAspect="1"/>
+          </p:cNvPicPr>
+          <p:nvPr/>
+        </p:nvPicPr>
+        <p:blipFill>
+          <a:blip r:embed="rId7">
+            <a:extLst>
+              <a:ext uri="{28A0092B-C50C-407E-A947-70E740481C1C}">
+                <a14:useLocalDpi xmlns:a14="http://schemas.microsoft.com/office/drawing/2010/main" val="0"/>
+              </a:ext>
+            </a:extLst>
+          </a:blip>
+          <a:stretch>
+            <a:fillRect/>
+          </a:stretch>
+        </p:blipFill>
+        <p:spPr>
+          <a:xfrm>
+            <a:off x="2524124" y="29011847"/>
+            <a:ext cx="1109033" cy="1168067"/>
           </a:xfrm>
           <a:prstGeom prst="rect">
             <a:avLst/>
